--- a/docs/ppt/GEOG0113-001.pptx
+++ b/docs/ppt/GEOG0113-001.pptx
@@ -4363,11 +4363,141 @@
           </a:p>
         </p:txBody>
       </p:sp>
+      <p:pic>
+        <p:nvPicPr>
+          <p:cNvPr id="2" name="Audio Recording 11 Jan 2021 at 14:02:28" descr="Audio Recording 11 Jan 2021 at 14:02:28">
+            <a:hlinkClick r:id="" action="ppaction://media"/>
+            <a:extLst>
+              <a:ext uri="{FF2B5EF4-FFF2-40B4-BE49-F238E27FC236}">
+                <a16:creationId xmlns:a16="http://schemas.microsoft.com/office/drawing/2014/main" id="{7CD2BF1F-D6B8-7448-976B-90CD067449EC}"/>
+              </a:ext>
+            </a:extLst>
+          </p:cNvPr>
+          <p:cNvPicPr>
+            <a:picLocks noChangeAspect="1"/>
+          </p:cNvPicPr>
+          <p:nvPr>
+            <a:audioFile r:link="rId2"/>
+            <p:extLst>
+              <p:ext uri="{DAA4B4D4-6D71-4841-9C94-3DE7FCFB9230}">
+                <p14:media xmlns:p14="http://schemas.microsoft.com/office/powerpoint/2010/main" r:embed="rId1"/>
+              </p:ext>
+            </p:extLst>
+          </p:nvPr>
+        </p:nvPicPr>
+        <p:blipFill>
+          <a:blip r:embed="rId5"/>
+          <a:stretch>
+            <a:fillRect/>
+          </a:stretch>
+        </p:blipFill>
+        <p:spPr>
+          <a:xfrm>
+            <a:off x="4633912" y="3373437"/>
+            <a:ext cx="812800" cy="812800"/>
+          </a:xfrm>
+          <a:prstGeom prst="rect">
+            <a:avLst/>
+          </a:prstGeom>
+        </p:spPr>
+      </p:pic>
     </p:spTree>
   </p:cSld>
   <p:clrMapOvr>
     <a:masterClrMapping/>
   </p:clrMapOvr>
+  <mc:AlternateContent xmlns:mc="http://schemas.openxmlformats.org/markup-compatibility/2006">
+    <mc:Choice xmlns:p14="http://schemas.microsoft.com/office/powerpoint/2010/main" Requires="p14">
+      <p:transition spd="slow" p14:dur="2000" advTm="16086"/>
+    </mc:Choice>
+    <mc:Fallback>
+      <p:transition spd="slow" advTm="16086"/>
+    </mc:Fallback>
+  </mc:AlternateContent>
+  <p:timing>
+    <p:tnLst>
+      <p:par>
+        <p:cTn id="1" dur="indefinite" restart="never" nodeType="tmRoot">
+          <p:childTnLst>
+            <p:seq concurrent="1" nextAc="seek">
+              <p:cTn id="2" dur="indefinite" nodeType="mainSeq">
+                <p:childTnLst>
+                  <p:par>
+                    <p:cTn id="3" fill="hold">
+                      <p:stCondLst>
+                        <p:cond delay="indefinite"/>
+                      </p:stCondLst>
+                      <p:childTnLst>
+                        <p:par>
+                          <p:cTn id="4" fill="hold">
+                            <p:stCondLst>
+                              <p:cond delay="0"/>
+                            </p:stCondLst>
+                            <p:childTnLst>
+                              <p:par>
+                                <p:cTn id="5" presetID="1" presetClass="mediacall" presetSubtype="0" fill="hold" nodeType="clickEffect">
+                                  <p:stCondLst>
+                                    <p:cond delay="0"/>
+                                  </p:stCondLst>
+                                  <p:childTnLst>
+                                    <p:cmd type="call" cmd="playFrom(0.0)">
+                                      <p:cBhvr>
+                                        <p:cTn id="6" dur="20544" fill="hold"/>
+                                        <p:tgtEl>
+                                          <p:spTgt spid="2"/>
+                                        </p:tgtEl>
+                                      </p:cBhvr>
+                                    </p:cmd>
+                                  </p:childTnLst>
+                                </p:cTn>
+                              </p:par>
+                            </p:childTnLst>
+                          </p:cTn>
+                        </p:par>
+                      </p:childTnLst>
+                    </p:cTn>
+                  </p:par>
+                </p:childTnLst>
+              </p:cTn>
+              <p:prevCondLst>
+                <p:cond evt="onPrev" delay="0">
+                  <p:tgtEl>
+                    <p:sldTgt/>
+                  </p:tgtEl>
+                </p:cond>
+              </p:prevCondLst>
+              <p:nextCondLst>
+                <p:cond evt="onNext" delay="0">
+                  <p:tgtEl>
+                    <p:sldTgt/>
+                  </p:tgtEl>
+                </p:cond>
+              </p:nextCondLst>
+            </p:seq>
+            <p:audio>
+              <p:cMediaNode vol="80000">
+                <p:cTn id="7" fill="hold" display="0">
+                  <p:stCondLst>
+                    <p:cond delay="indefinite"/>
+                  </p:stCondLst>
+                  <p:endCondLst>
+                    <p:cond evt="onStopAudio" delay="0">
+                      <p:tgtEl>
+                        <p:sldTgt/>
+                      </p:tgtEl>
+                    </p:cond>
+                  </p:endCondLst>
+                </p:cTn>
+                <p:tgtEl>
+                  <p:spTgt spid="2"/>
+                </p:tgtEl>
+              </p:cMediaNode>
+            </p:audio>
+          </p:childTnLst>
+        </p:cTn>
+      </p:par>
+    </p:tnLst>
+  </p:timing>
 </p:sld>
 </file>
 
@@ -4498,6 +4628,44 @@
           </a:p>
         </p:txBody>
       </p:sp>
+      <p:pic>
+        <p:nvPicPr>
+          <p:cNvPr id="4" name="Audio Recording 11 Jan 2021 at 14:04:43" descr="Audio Recording 11 Jan 2021 at 14:04:43">
+            <a:hlinkClick r:id="" action="ppaction://media"/>
+            <a:extLst>
+              <a:ext uri="{FF2B5EF4-FFF2-40B4-BE49-F238E27FC236}">
+                <a16:creationId xmlns:a16="http://schemas.microsoft.com/office/drawing/2014/main" id="{7F52E7D5-A21E-4E4C-81B0-258231A890BE}"/>
+              </a:ext>
+            </a:extLst>
+          </p:cNvPr>
+          <p:cNvPicPr>
+            <a:picLocks noChangeAspect="1"/>
+          </p:cNvPicPr>
+          <p:nvPr>
+            <a:audioFile r:link="rId2"/>
+            <p:extLst>
+              <p:ext uri="{DAA4B4D4-6D71-4841-9C94-3DE7FCFB9230}">
+                <p14:media xmlns:p14="http://schemas.microsoft.com/office/powerpoint/2010/main" r:embed="rId1"/>
+              </p:ext>
+            </p:extLst>
+          </p:nvPr>
+        </p:nvPicPr>
+        <p:blipFill>
+          <a:blip r:embed="rId4"/>
+          <a:stretch>
+            <a:fillRect/>
+          </a:stretch>
+        </p:blipFill>
+        <p:spPr>
+          <a:xfrm>
+            <a:off x="4633913" y="3373438"/>
+            <a:ext cx="812800" cy="812800"/>
+          </a:xfrm>
+          <a:prstGeom prst="rect">
+            <a:avLst/>
+          </a:prstGeom>
+        </p:spPr>
+      </p:pic>
     </p:spTree>
     <p:extLst>
       <p:ext uri="{BB962C8B-B14F-4D97-AF65-F5344CB8AC3E}">
@@ -4508,6 +4676,98 @@
   <p:clrMapOvr>
     <a:masterClrMapping/>
   </p:clrMapOvr>
+  <mc:AlternateContent xmlns:mc="http://schemas.openxmlformats.org/markup-compatibility/2006">
+    <mc:Choice xmlns:p14="http://schemas.microsoft.com/office/powerpoint/2010/main" Requires="p14">
+      <p:transition spd="slow" p14:dur="2000" advTm="84964"/>
+    </mc:Choice>
+    <mc:Fallback>
+      <p:transition spd="slow" advTm="84964"/>
+    </mc:Fallback>
+  </mc:AlternateContent>
+  <p:timing>
+    <p:tnLst>
+      <p:par>
+        <p:cTn id="1" dur="indefinite" restart="never" nodeType="tmRoot">
+          <p:childTnLst>
+            <p:seq concurrent="1" nextAc="seek">
+              <p:cTn id="2" dur="indefinite" nodeType="mainSeq">
+                <p:childTnLst>
+                  <p:par>
+                    <p:cTn id="3" fill="hold">
+                      <p:stCondLst>
+                        <p:cond delay="indefinite"/>
+                      </p:stCondLst>
+                      <p:childTnLst>
+                        <p:par>
+                          <p:cTn id="4" fill="hold">
+                            <p:stCondLst>
+                              <p:cond delay="0"/>
+                            </p:stCondLst>
+                            <p:childTnLst>
+                              <p:par>
+                                <p:cTn id="5" presetID="1" presetClass="mediacall" presetSubtype="0" fill="hold" nodeType="clickEffect">
+                                  <p:stCondLst>
+                                    <p:cond delay="0"/>
+                                  </p:stCondLst>
+                                  <p:childTnLst>
+                                    <p:cmd type="call" cmd="playFrom(0.0)">
+                                      <p:cBhvr>
+                                        <p:cTn id="6" dur="69184" fill="hold"/>
+                                        <p:tgtEl>
+                                          <p:spTgt spid="4"/>
+                                        </p:tgtEl>
+                                      </p:cBhvr>
+                                    </p:cmd>
+                                  </p:childTnLst>
+                                </p:cTn>
+                              </p:par>
+                            </p:childTnLst>
+                          </p:cTn>
+                        </p:par>
+                      </p:childTnLst>
+                    </p:cTn>
+                  </p:par>
+                </p:childTnLst>
+              </p:cTn>
+              <p:prevCondLst>
+                <p:cond evt="onPrev" delay="0">
+                  <p:tgtEl>
+                    <p:sldTgt/>
+                  </p:tgtEl>
+                </p:cond>
+              </p:prevCondLst>
+              <p:nextCondLst>
+                <p:cond evt="onNext" delay="0">
+                  <p:tgtEl>
+                    <p:sldTgt/>
+                  </p:tgtEl>
+                </p:cond>
+              </p:nextCondLst>
+            </p:seq>
+            <p:audio>
+              <p:cMediaNode vol="80000">
+                <p:cTn id="7" fill="hold" display="0">
+                  <p:stCondLst>
+                    <p:cond delay="indefinite"/>
+                  </p:stCondLst>
+                  <p:endCondLst>
+                    <p:cond evt="onStopAudio" delay="0">
+                      <p:tgtEl>
+                        <p:sldTgt/>
+                      </p:tgtEl>
+                    </p:cond>
+                  </p:endCondLst>
+                </p:cTn>
+                <p:tgtEl>
+                  <p:spTgt spid="4"/>
+                </p:tgtEl>
+              </p:cMediaNode>
+            </p:audio>
+          </p:childTnLst>
+        </p:cTn>
+      </p:par>
+    </p:tnLst>
+  </p:timing>
 </p:sld>
 </file>
 
@@ -4659,6 +4919,44 @@
           </a:p>
         </p:txBody>
       </p:sp>
+      <p:pic>
+        <p:nvPicPr>
+          <p:cNvPr id="4" name="Audio Recording 11 Jan 2021 at 14:05:29" descr="Audio Recording 11 Jan 2021 at 14:05:29">
+            <a:hlinkClick r:id="" action="ppaction://media"/>
+            <a:extLst>
+              <a:ext uri="{FF2B5EF4-FFF2-40B4-BE49-F238E27FC236}">
+                <a16:creationId xmlns:a16="http://schemas.microsoft.com/office/drawing/2014/main" id="{E3535B93-5A38-9D4F-82E0-9476FEAB6E0E}"/>
+              </a:ext>
+            </a:extLst>
+          </p:cNvPr>
+          <p:cNvPicPr>
+            <a:picLocks noChangeAspect="1"/>
+          </p:cNvPicPr>
+          <p:nvPr>
+            <a:audioFile r:link="rId2"/>
+            <p:extLst>
+              <p:ext uri="{DAA4B4D4-6D71-4841-9C94-3DE7FCFB9230}">
+                <p14:media xmlns:p14="http://schemas.microsoft.com/office/powerpoint/2010/main" r:embed="rId1"/>
+              </p:ext>
+            </p:extLst>
+          </p:nvPr>
+        </p:nvPicPr>
+        <p:blipFill>
+          <a:blip r:embed="rId4"/>
+          <a:stretch>
+            <a:fillRect/>
+          </a:stretch>
+        </p:blipFill>
+        <p:spPr>
+          <a:xfrm>
+            <a:off x="4633913" y="3373438"/>
+            <a:ext cx="812800" cy="812800"/>
+          </a:xfrm>
+          <a:prstGeom prst="rect">
+            <a:avLst/>
+          </a:prstGeom>
+        </p:spPr>
+      </p:pic>
     </p:spTree>
     <p:extLst>
       <p:ext uri="{BB962C8B-B14F-4D97-AF65-F5344CB8AC3E}">
@@ -4669,6 +4967,98 @@
   <p:clrMapOvr>
     <a:masterClrMapping/>
   </p:clrMapOvr>
+  <mc:AlternateContent xmlns:mc="http://schemas.openxmlformats.org/markup-compatibility/2006">
+    <mc:Choice xmlns:p14="http://schemas.microsoft.com/office/powerpoint/2010/main" Requires="p14">
+      <p:transition spd="slow" p14:dur="2000" advTm="11463"/>
+    </mc:Choice>
+    <mc:Fallback>
+      <p:transition spd="slow" advTm="11463"/>
+    </mc:Fallback>
+  </mc:AlternateContent>
+  <p:timing>
+    <p:tnLst>
+      <p:par>
+        <p:cTn id="1" dur="indefinite" restart="never" nodeType="tmRoot">
+          <p:childTnLst>
+            <p:seq concurrent="1" nextAc="seek">
+              <p:cTn id="2" dur="indefinite" nodeType="mainSeq">
+                <p:childTnLst>
+                  <p:par>
+                    <p:cTn id="3" fill="hold">
+                      <p:stCondLst>
+                        <p:cond delay="indefinite"/>
+                      </p:stCondLst>
+                      <p:childTnLst>
+                        <p:par>
+                          <p:cTn id="4" fill="hold">
+                            <p:stCondLst>
+                              <p:cond delay="0"/>
+                            </p:stCondLst>
+                            <p:childTnLst>
+                              <p:par>
+                                <p:cTn id="5" presetID="1" presetClass="mediacall" presetSubtype="0" fill="hold" nodeType="clickEffect">
+                                  <p:stCondLst>
+                                    <p:cond delay="0"/>
+                                  </p:stCondLst>
+                                  <p:childTnLst>
+                                    <p:cmd type="call" cmd="playFrom(0.0)">
+                                      <p:cBhvr>
+                                        <p:cTn id="6" dur="31296" fill="hold"/>
+                                        <p:tgtEl>
+                                          <p:spTgt spid="4"/>
+                                        </p:tgtEl>
+                                      </p:cBhvr>
+                                    </p:cmd>
+                                  </p:childTnLst>
+                                </p:cTn>
+                              </p:par>
+                            </p:childTnLst>
+                          </p:cTn>
+                        </p:par>
+                      </p:childTnLst>
+                    </p:cTn>
+                  </p:par>
+                </p:childTnLst>
+              </p:cTn>
+              <p:prevCondLst>
+                <p:cond evt="onPrev" delay="0">
+                  <p:tgtEl>
+                    <p:sldTgt/>
+                  </p:tgtEl>
+                </p:cond>
+              </p:prevCondLst>
+              <p:nextCondLst>
+                <p:cond evt="onNext" delay="0">
+                  <p:tgtEl>
+                    <p:sldTgt/>
+                  </p:tgtEl>
+                </p:cond>
+              </p:nextCondLst>
+            </p:seq>
+            <p:audio>
+              <p:cMediaNode vol="80000">
+                <p:cTn id="7" fill="hold" display="0">
+                  <p:stCondLst>
+                    <p:cond delay="indefinite"/>
+                  </p:stCondLst>
+                  <p:endCondLst>
+                    <p:cond evt="onStopAudio" delay="0">
+                      <p:tgtEl>
+                        <p:sldTgt/>
+                      </p:tgtEl>
+                    </p:cond>
+                  </p:endCondLst>
+                </p:cTn>
+                <p:tgtEl>
+                  <p:spTgt spid="4"/>
+                </p:tgtEl>
+              </p:cMediaNode>
+            </p:audio>
+          </p:childTnLst>
+        </p:cTn>
+      </p:par>
+    </p:tnLst>
+  </p:timing>
 </p:sld>
 </file>
 
@@ -4764,6 +5154,44 @@
           </a:p>
         </p:txBody>
       </p:sp>
+      <p:pic>
+        <p:nvPicPr>
+          <p:cNvPr id="4" name="Audio Recording 11 Jan 2021 at 14:06:51" descr="Audio Recording 11 Jan 2021 at 14:06:51">
+            <a:hlinkClick r:id="" action="ppaction://media"/>
+            <a:extLst>
+              <a:ext uri="{FF2B5EF4-FFF2-40B4-BE49-F238E27FC236}">
+                <a16:creationId xmlns:a16="http://schemas.microsoft.com/office/drawing/2014/main" id="{F3DF6BA2-0345-6F4B-876C-32D9EA4A8073}"/>
+              </a:ext>
+            </a:extLst>
+          </p:cNvPr>
+          <p:cNvPicPr>
+            <a:picLocks noChangeAspect="1"/>
+          </p:cNvPicPr>
+          <p:nvPr>
+            <a:audioFile r:link="rId2"/>
+            <p:extLst>
+              <p:ext uri="{DAA4B4D4-6D71-4841-9C94-3DE7FCFB9230}">
+                <p14:media xmlns:p14="http://schemas.microsoft.com/office/powerpoint/2010/main" r:embed="rId1"/>
+              </p:ext>
+            </p:extLst>
+          </p:nvPr>
+        </p:nvPicPr>
+        <p:blipFill>
+          <a:blip r:embed="rId4"/>
+          <a:stretch>
+            <a:fillRect/>
+          </a:stretch>
+        </p:blipFill>
+        <p:spPr>
+          <a:xfrm>
+            <a:off x="4633913" y="3373438"/>
+            <a:ext cx="812800" cy="812800"/>
+          </a:xfrm>
+          <a:prstGeom prst="rect">
+            <a:avLst/>
+          </a:prstGeom>
+        </p:spPr>
+      </p:pic>
     </p:spTree>
     <p:extLst>
       <p:ext uri="{BB962C8B-B14F-4D97-AF65-F5344CB8AC3E}">
@@ -4774,6 +5202,98 @@
   <p:clrMapOvr>
     <a:masterClrMapping/>
   </p:clrMapOvr>
+  <mc:AlternateContent xmlns:mc="http://schemas.openxmlformats.org/markup-compatibility/2006">
+    <mc:Choice xmlns:p14="http://schemas.microsoft.com/office/powerpoint/2010/main" Requires="p14">
+      <p:transition spd="slow" p14:dur="2000" advTm="33758"/>
+    </mc:Choice>
+    <mc:Fallback>
+      <p:transition spd="slow" advTm="33758"/>
+    </mc:Fallback>
+  </mc:AlternateContent>
+  <p:timing>
+    <p:tnLst>
+      <p:par>
+        <p:cTn id="1" dur="indefinite" restart="never" nodeType="tmRoot">
+          <p:childTnLst>
+            <p:seq concurrent="1" nextAc="seek">
+              <p:cTn id="2" dur="indefinite" nodeType="mainSeq">
+                <p:childTnLst>
+                  <p:par>
+                    <p:cTn id="3" fill="hold">
+                      <p:stCondLst>
+                        <p:cond delay="indefinite"/>
+                      </p:stCondLst>
+                      <p:childTnLst>
+                        <p:par>
+                          <p:cTn id="4" fill="hold">
+                            <p:stCondLst>
+                              <p:cond delay="0"/>
+                            </p:stCondLst>
+                            <p:childTnLst>
+                              <p:par>
+                                <p:cTn id="5" presetID="1" presetClass="mediacall" presetSubtype="0" fill="hold" nodeType="clickEffect">
+                                  <p:stCondLst>
+                                    <p:cond delay="0"/>
+                                  </p:stCondLst>
+                                  <p:childTnLst>
+                                    <p:cmd type="call" cmd="playFrom(0.0)">
+                                      <p:cBhvr>
+                                        <p:cTn id="6" dur="75904" fill="hold"/>
+                                        <p:tgtEl>
+                                          <p:spTgt spid="4"/>
+                                        </p:tgtEl>
+                                      </p:cBhvr>
+                                    </p:cmd>
+                                  </p:childTnLst>
+                                </p:cTn>
+                              </p:par>
+                            </p:childTnLst>
+                          </p:cTn>
+                        </p:par>
+                      </p:childTnLst>
+                    </p:cTn>
+                  </p:par>
+                </p:childTnLst>
+              </p:cTn>
+              <p:prevCondLst>
+                <p:cond evt="onPrev" delay="0">
+                  <p:tgtEl>
+                    <p:sldTgt/>
+                  </p:tgtEl>
+                </p:cond>
+              </p:prevCondLst>
+              <p:nextCondLst>
+                <p:cond evt="onNext" delay="0">
+                  <p:tgtEl>
+                    <p:sldTgt/>
+                  </p:tgtEl>
+                </p:cond>
+              </p:nextCondLst>
+            </p:seq>
+            <p:audio>
+              <p:cMediaNode vol="80000">
+                <p:cTn id="7" fill="hold" display="0">
+                  <p:stCondLst>
+                    <p:cond delay="indefinite"/>
+                  </p:stCondLst>
+                  <p:endCondLst>
+                    <p:cond evt="onStopAudio" delay="0">
+                      <p:tgtEl>
+                        <p:sldTgt/>
+                      </p:tgtEl>
+                    </p:cond>
+                  </p:endCondLst>
+                </p:cTn>
+                <p:tgtEl>
+                  <p:spTgt spid="4"/>
+                </p:tgtEl>
+              </p:cMediaNode>
+            </p:audio>
+          </p:childTnLst>
+        </p:cTn>
+      </p:par>
+    </p:tnLst>
+  </p:timing>
 </p:sld>
 </file>
 
@@ -4864,15 +5384,7 @@
             </a:pPr>
             <a:r>
               <a:rPr lang="en-US" sz="2400" dirty="0"/>
-              <a:t>Understand the factors affecting remote sensing measurements of vegetation (</a:t>
-            </a:r>
-            <a:r>
-              <a:rPr lang="en-US" sz="2400" dirty="0" err="1"/>
-              <a:t>radiative</a:t>
-            </a:r>
-            <a:r>
-              <a:rPr lang="en-US" sz="2400" dirty="0"/>
-              <a:t> transfer theory)</a:t>
+              <a:t>Understand the factors affecting remote sensing measurements of vegetation </a:t>
             </a:r>
           </a:p>
           <a:p>
@@ -4900,6 +5412,44 @@
           </a:p>
         </p:txBody>
       </p:sp>
+      <p:pic>
+        <p:nvPicPr>
+          <p:cNvPr id="4" name="Audio Recording 11 Jan 2021 at 14:07:14" descr="Audio Recording 11 Jan 2021 at 14:07:14">
+            <a:hlinkClick r:id="" action="ppaction://media"/>
+            <a:extLst>
+              <a:ext uri="{FF2B5EF4-FFF2-40B4-BE49-F238E27FC236}">
+                <a16:creationId xmlns:a16="http://schemas.microsoft.com/office/drawing/2014/main" id="{64C21102-B900-3944-9F32-9975EE6F48AB}"/>
+              </a:ext>
+            </a:extLst>
+          </p:cNvPr>
+          <p:cNvPicPr>
+            <a:picLocks noChangeAspect="1"/>
+          </p:cNvPicPr>
+          <p:nvPr>
+            <a:audioFile r:link="rId2"/>
+            <p:extLst>
+              <p:ext uri="{DAA4B4D4-6D71-4841-9C94-3DE7FCFB9230}">
+                <p14:media xmlns:p14="http://schemas.microsoft.com/office/powerpoint/2010/main" r:embed="rId1"/>
+              </p:ext>
+            </p:extLst>
+          </p:nvPr>
+        </p:nvPicPr>
+        <p:blipFill>
+          <a:blip r:embed="rId4"/>
+          <a:stretch>
+            <a:fillRect/>
+          </a:stretch>
+        </p:blipFill>
+        <p:spPr>
+          <a:xfrm>
+            <a:off x="4633913" y="3373438"/>
+            <a:ext cx="812800" cy="812800"/>
+          </a:xfrm>
+          <a:prstGeom prst="rect">
+            <a:avLst/>
+          </a:prstGeom>
+        </p:spPr>
+      </p:pic>
     </p:spTree>
     <p:extLst>
       <p:ext uri="{BB962C8B-B14F-4D97-AF65-F5344CB8AC3E}">
@@ -4910,6 +5460,98 @@
   <p:clrMapOvr>
     <a:masterClrMapping/>
   </p:clrMapOvr>
+  <mc:AlternateContent xmlns:mc="http://schemas.openxmlformats.org/markup-compatibility/2006">
+    <mc:Choice xmlns:p14="http://schemas.microsoft.com/office/powerpoint/2010/main" Requires="p14">
+      <p:transition spd="slow" p14:dur="2000" advTm="46075"/>
+    </mc:Choice>
+    <mc:Fallback>
+      <p:transition spd="slow" advTm="46075"/>
+    </mc:Fallback>
+  </mc:AlternateContent>
+  <p:timing>
+    <p:tnLst>
+      <p:par>
+        <p:cTn id="1" dur="indefinite" restart="never" nodeType="tmRoot">
+          <p:childTnLst>
+            <p:seq concurrent="1" nextAc="seek">
+              <p:cTn id="2" dur="indefinite" nodeType="mainSeq">
+                <p:childTnLst>
+                  <p:par>
+                    <p:cTn id="3" fill="hold">
+                      <p:stCondLst>
+                        <p:cond delay="indefinite"/>
+                      </p:stCondLst>
+                      <p:childTnLst>
+                        <p:par>
+                          <p:cTn id="4" fill="hold">
+                            <p:stCondLst>
+                              <p:cond delay="0"/>
+                            </p:stCondLst>
+                            <p:childTnLst>
+                              <p:par>
+                                <p:cTn id="5" presetID="1" presetClass="mediacall" presetSubtype="0" fill="hold" nodeType="clickEffect">
+                                  <p:stCondLst>
+                                    <p:cond delay="0"/>
+                                  </p:stCondLst>
+                                  <p:childTnLst>
+                                    <p:cmd type="call" cmd="playFrom(0.0)">
+                                      <p:cBhvr>
+                                        <p:cTn id="6" dur="18304" fill="hold"/>
+                                        <p:tgtEl>
+                                          <p:spTgt spid="4"/>
+                                        </p:tgtEl>
+                                      </p:cBhvr>
+                                    </p:cmd>
+                                  </p:childTnLst>
+                                </p:cTn>
+                              </p:par>
+                            </p:childTnLst>
+                          </p:cTn>
+                        </p:par>
+                      </p:childTnLst>
+                    </p:cTn>
+                  </p:par>
+                </p:childTnLst>
+              </p:cTn>
+              <p:prevCondLst>
+                <p:cond evt="onPrev" delay="0">
+                  <p:tgtEl>
+                    <p:sldTgt/>
+                  </p:tgtEl>
+                </p:cond>
+              </p:prevCondLst>
+              <p:nextCondLst>
+                <p:cond evt="onNext" delay="0">
+                  <p:tgtEl>
+                    <p:sldTgt/>
+                  </p:tgtEl>
+                </p:cond>
+              </p:nextCondLst>
+            </p:seq>
+            <p:audio>
+              <p:cMediaNode vol="80000">
+                <p:cTn id="7" fill="hold" display="0">
+                  <p:stCondLst>
+                    <p:cond delay="indefinite"/>
+                  </p:stCondLst>
+                  <p:endCondLst>
+                    <p:cond evt="onStopAudio" delay="0">
+                      <p:tgtEl>
+                        <p:sldTgt/>
+                      </p:tgtEl>
+                    </p:cond>
+                  </p:endCondLst>
+                </p:cTn>
+                <p:tgtEl>
+                  <p:spTgt spid="4"/>
+                </p:tgtEl>
+              </p:cMediaNode>
+            </p:audio>
+          </p:childTnLst>
+        </p:cTn>
+      </p:par>
+    </p:tnLst>
+  </p:timing>
 </p:sld>
 </file>
 
@@ -4970,7 +5612,7 @@
           <a:p>
             <a:r>
               <a:rPr lang="en-US" dirty="0"/>
-              <a:t>2 hour unseen exam, 100% of the assessment, essay-based questions, answer 2 Q from 6 in 2 hours</a:t>
+              <a:t>100% of the assessment, essay-based questions, answer 2 Q from 6 (in 24 hours)</a:t>
             </a:r>
           </a:p>
           <a:p>
@@ -4992,16 +5634,65 @@
             </a:r>
             <a:r>
               <a:rPr lang="en-US" dirty="0"/>
-              <a:t> https://geog0113.readthedocs.</a:t>
-            </a:r>
-            <a:r>
-              <a:rPr lang="en-US"/>
-              <a:t>io/</a:t>
+              <a:t> </a:t>
+            </a:r>
+          </a:p>
+          <a:p>
+            <a:r>
+              <a:rPr lang="en-US" dirty="0"/>
+              <a:t>	</a:t>
+            </a:r>
+            <a:r>
+              <a:rPr lang="en-US" dirty="0">
+                <a:hlinkClick r:id="rId4"/>
+              </a:rPr>
+              <a:t>https://ucl-eo-geog0133.readthedocs-hosted.com/en/latest/?badge=latest</a:t>
             </a:r>
             <a:endParaRPr lang="en-US" dirty="0"/>
           </a:p>
-        </p:txBody>
-      </p:sp>
+          <a:p>
+            <a:endParaRPr lang="en-US" dirty="0"/>
+          </a:p>
+        </p:txBody>
+      </p:sp>
+      <p:pic>
+        <p:nvPicPr>
+          <p:cNvPr id="4" name="Audio Recording 11 Jan 2021 at 14:07:49" descr="Audio Recording 11 Jan 2021 at 14:07:49">
+            <a:hlinkClick r:id="" action="ppaction://media"/>
+            <a:extLst>
+              <a:ext uri="{FF2B5EF4-FFF2-40B4-BE49-F238E27FC236}">
+                <a16:creationId xmlns:a16="http://schemas.microsoft.com/office/drawing/2014/main" id="{E0F12EF1-D633-854A-8829-95C6CD386944}"/>
+              </a:ext>
+            </a:extLst>
+          </p:cNvPr>
+          <p:cNvPicPr>
+            <a:picLocks noChangeAspect="1"/>
+          </p:cNvPicPr>
+          <p:nvPr>
+            <a:audioFile r:link="rId2"/>
+            <p:extLst>
+              <p:ext uri="{DAA4B4D4-6D71-4841-9C94-3DE7FCFB9230}">
+                <p14:media xmlns:p14="http://schemas.microsoft.com/office/powerpoint/2010/main" r:embed="rId1"/>
+              </p:ext>
+            </p:extLst>
+          </p:nvPr>
+        </p:nvPicPr>
+        <p:blipFill>
+          <a:blip r:embed="rId5"/>
+          <a:stretch>
+            <a:fillRect/>
+          </a:stretch>
+        </p:blipFill>
+        <p:spPr>
+          <a:xfrm>
+            <a:off x="4633913" y="3373438"/>
+            <a:ext cx="812800" cy="812800"/>
+          </a:xfrm>
+          <a:prstGeom prst="rect">
+            <a:avLst/>
+          </a:prstGeom>
+        </p:spPr>
+      </p:pic>
     </p:spTree>
     <p:extLst>
       <p:ext uri="{BB962C8B-B14F-4D97-AF65-F5344CB8AC3E}">
@@ -5012,6 +5703,98 @@
   <p:clrMapOvr>
     <a:masterClrMapping/>
   </p:clrMapOvr>
+  <mc:AlternateContent xmlns:mc="http://schemas.openxmlformats.org/markup-compatibility/2006">
+    <mc:Choice xmlns:p14="http://schemas.microsoft.com/office/powerpoint/2010/main" Requires="p14">
+      <p:transition spd="slow" p14:dur="2000" advTm="24693"/>
+    </mc:Choice>
+    <mc:Fallback>
+      <p:transition spd="slow" advTm="24693"/>
+    </mc:Fallback>
+  </mc:AlternateContent>
+  <p:timing>
+    <p:tnLst>
+      <p:par>
+        <p:cTn id="1" dur="indefinite" restart="never" nodeType="tmRoot">
+          <p:childTnLst>
+            <p:seq concurrent="1" nextAc="seek">
+              <p:cTn id="2" dur="indefinite" nodeType="mainSeq">
+                <p:childTnLst>
+                  <p:par>
+                    <p:cTn id="3" fill="hold">
+                      <p:stCondLst>
+                        <p:cond delay="indefinite"/>
+                      </p:stCondLst>
+                      <p:childTnLst>
+                        <p:par>
+                          <p:cTn id="4" fill="hold">
+                            <p:stCondLst>
+                              <p:cond delay="0"/>
+                            </p:stCondLst>
+                            <p:childTnLst>
+                              <p:par>
+                                <p:cTn id="5" presetID="1" presetClass="mediacall" presetSubtype="0" fill="hold" nodeType="clickEffect">
+                                  <p:stCondLst>
+                                    <p:cond delay="0"/>
+                                  </p:stCondLst>
+                                  <p:childTnLst>
+                                    <p:cmd type="call" cmd="playFrom(0.0)">
+                                      <p:cBhvr>
+                                        <p:cTn id="6" dur="30528" fill="hold"/>
+                                        <p:tgtEl>
+                                          <p:spTgt spid="4"/>
+                                        </p:tgtEl>
+                                      </p:cBhvr>
+                                    </p:cmd>
+                                  </p:childTnLst>
+                                </p:cTn>
+                              </p:par>
+                            </p:childTnLst>
+                          </p:cTn>
+                        </p:par>
+                      </p:childTnLst>
+                    </p:cTn>
+                  </p:par>
+                </p:childTnLst>
+              </p:cTn>
+              <p:prevCondLst>
+                <p:cond evt="onPrev" delay="0">
+                  <p:tgtEl>
+                    <p:sldTgt/>
+                  </p:tgtEl>
+                </p:cond>
+              </p:prevCondLst>
+              <p:nextCondLst>
+                <p:cond evt="onNext" delay="0">
+                  <p:tgtEl>
+                    <p:sldTgt/>
+                  </p:tgtEl>
+                </p:cond>
+              </p:nextCondLst>
+            </p:seq>
+            <p:audio>
+              <p:cMediaNode vol="80000">
+                <p:cTn id="7" fill="hold" display="0">
+                  <p:stCondLst>
+                    <p:cond delay="indefinite"/>
+                  </p:stCondLst>
+                  <p:endCondLst>
+                    <p:cond evt="onStopAudio" delay="0">
+                      <p:tgtEl>
+                        <p:sldTgt/>
+                      </p:tgtEl>
+                    </p:cond>
+                  </p:endCondLst>
+                </p:cTn>
+                <p:tgtEl>
+                  <p:spTgt spid="4"/>
+                </p:tgtEl>
+              </p:cMediaNode>
+            </p:audio>
+          </p:childTnLst>
+        </p:cTn>
+      </p:par>
+    </p:tnLst>
+  </p:timing>
 </p:sld>
 </file>
 

--- a/docs/ppt/GEOG0113-001.pptx
+++ b/docs/ppt/GEOG0113-001.pptx
@@ -4406,11 +4406,11 @@
   <p:clrMapOvr>
     <a:masterClrMapping/>
   </p:clrMapOvr>
-  <mc:AlternateContent xmlns:mc="http://schemas.openxmlformats.org/markup-compatibility/2006">
-    <mc:Choice xmlns:p14="http://schemas.microsoft.com/office/powerpoint/2010/main" Requires="p14">
+  <mc:AlternateContent xmlns:mc="http://schemas.openxmlformats.org/markup-compatibility/2006" xmlns:p14="http://schemas.microsoft.com/office/powerpoint/2010/main">
+    <mc:Choice Requires="p14">
       <p:transition spd="slow" p14:dur="2000" advTm="16086"/>
     </mc:Choice>
-    <mc:Fallback>
+    <mc:Fallback xmlns="">
       <p:transition spd="slow" advTm="16086"/>
     </mc:Fallback>
   </mc:AlternateContent>
@@ -4592,15 +4592,7 @@
           <a:p>
             <a:r>
               <a:rPr lang="en-US" sz="2400" dirty="0"/>
-              <a:t>To provide the linkages between the models and remote sensing observations (</a:t>
-            </a:r>
-            <a:r>
-              <a:rPr lang="en-US" sz="2400" dirty="0" err="1"/>
-              <a:t>radiative</a:t>
-            </a:r>
-            <a:r>
-              <a:rPr lang="en-US" sz="2400" dirty="0"/>
-              <a:t> transfer)</a:t>
+              <a:t>To provide the linkages between the models and remote sensing observations </a:t>
             </a:r>
           </a:p>
           <a:p>
@@ -4676,11 +4668,11 @@
   <p:clrMapOvr>
     <a:masterClrMapping/>
   </p:clrMapOvr>
-  <mc:AlternateContent xmlns:mc="http://schemas.openxmlformats.org/markup-compatibility/2006">
-    <mc:Choice xmlns:p14="http://schemas.microsoft.com/office/powerpoint/2010/main" Requires="p14">
+  <mc:AlternateContent xmlns:mc="http://schemas.openxmlformats.org/markup-compatibility/2006" xmlns:p14="http://schemas.microsoft.com/office/powerpoint/2010/main">
+    <mc:Choice Requires="p14">
       <p:transition spd="slow" p14:dur="2000" advTm="84964"/>
     </mc:Choice>
-    <mc:Fallback>
+    <mc:Fallback xmlns="">
       <p:transition spd="slow" advTm="84964"/>
     </mc:Fallback>
   </mc:AlternateContent>
@@ -4967,11 +4959,11 @@
   <p:clrMapOvr>
     <a:masterClrMapping/>
   </p:clrMapOvr>
-  <mc:AlternateContent xmlns:mc="http://schemas.openxmlformats.org/markup-compatibility/2006">
-    <mc:Choice xmlns:p14="http://schemas.microsoft.com/office/powerpoint/2010/main" Requires="p14">
+  <mc:AlternateContent xmlns:mc="http://schemas.openxmlformats.org/markup-compatibility/2006" xmlns:p14="http://schemas.microsoft.com/office/powerpoint/2010/main">
+    <mc:Choice Requires="p14">
       <p:transition spd="slow" p14:dur="2000" advTm="11463"/>
     </mc:Choice>
-    <mc:Fallback>
+    <mc:Fallback xmlns="">
       <p:transition spd="slow" advTm="11463"/>
     </mc:Fallback>
   </mc:AlternateContent>
@@ -5202,11 +5194,11 @@
   <p:clrMapOvr>
     <a:masterClrMapping/>
   </p:clrMapOvr>
-  <mc:AlternateContent xmlns:mc="http://schemas.openxmlformats.org/markup-compatibility/2006">
-    <mc:Choice xmlns:p14="http://schemas.microsoft.com/office/powerpoint/2010/main" Requires="p14">
+  <mc:AlternateContent xmlns:mc="http://schemas.openxmlformats.org/markup-compatibility/2006" xmlns:p14="http://schemas.microsoft.com/office/powerpoint/2010/main">
+    <mc:Choice Requires="p14">
       <p:transition spd="slow" p14:dur="2000" advTm="33758"/>
     </mc:Choice>
-    <mc:Fallback>
+    <mc:Fallback xmlns="">
       <p:transition spd="slow" advTm="33758"/>
     </mc:Fallback>
   </mc:AlternateContent>
@@ -5460,11 +5452,11 @@
   <p:clrMapOvr>
     <a:masterClrMapping/>
   </p:clrMapOvr>
-  <mc:AlternateContent xmlns:mc="http://schemas.openxmlformats.org/markup-compatibility/2006">
-    <mc:Choice xmlns:p14="http://schemas.microsoft.com/office/powerpoint/2010/main" Requires="p14">
+  <mc:AlternateContent xmlns:mc="http://schemas.openxmlformats.org/markup-compatibility/2006" xmlns:p14="http://schemas.microsoft.com/office/powerpoint/2010/main">
+    <mc:Choice Requires="p14">
       <p:transition spd="slow" p14:dur="2000" advTm="46075"/>
     </mc:Choice>
-    <mc:Fallback>
+    <mc:Fallback xmlns="">
       <p:transition spd="slow" advTm="46075"/>
     </mc:Fallback>
   </mc:AlternateContent>
@@ -5703,11 +5695,11 @@
   <p:clrMapOvr>
     <a:masterClrMapping/>
   </p:clrMapOvr>
-  <mc:AlternateContent xmlns:mc="http://schemas.openxmlformats.org/markup-compatibility/2006">
-    <mc:Choice xmlns:p14="http://schemas.microsoft.com/office/powerpoint/2010/main" Requires="p14">
+  <mc:AlternateContent xmlns:mc="http://schemas.openxmlformats.org/markup-compatibility/2006" xmlns:p14="http://schemas.microsoft.com/office/powerpoint/2010/main">
+    <mc:Choice Requires="p14">
       <p:transition spd="slow" p14:dur="2000" advTm="24693"/>
     </mc:Choice>
-    <mc:Fallback>
+    <mc:Fallback xmlns="">
       <p:transition spd="slow" advTm="24693"/>
     </mc:Fallback>
   </mc:AlternateContent>

--- a/docs/ppt/GEOG0113-001.pptx
+++ b/docs/ppt/GEOG0113-001.pptx
@@ -5,7 +5,7 @@
     <p:sldMasterId id="2147483649" r:id="rId1"/>
   </p:sldMasterIdLst>
   <p:notesMasterIdLst>
-    <p:notesMasterId r:id="rId8"/>
+    <p:notesMasterId r:id="rId14"/>
   </p:notesMasterIdLst>
   <p:sldIdLst>
     <p:sldId id="269" r:id="rId2"/>
@@ -14,6 +14,12 @@
     <p:sldId id="350" r:id="rId5"/>
     <p:sldId id="351" r:id="rId6"/>
     <p:sldId id="349" r:id="rId7"/>
+    <p:sldId id="352" r:id="rId8"/>
+    <p:sldId id="353" r:id="rId9"/>
+    <p:sldId id="354" r:id="rId10"/>
+    <p:sldId id="355" r:id="rId11"/>
+    <p:sldId id="356" r:id="rId12"/>
+    <p:sldId id="357" r:id="rId13"/>
   </p:sldIdLst>
   <p:sldSz cx="10080625" cy="7559675"/>
   <p:notesSz cx="7559675" cy="10691813"/>
@@ -4501,6 +4507,359 @@
 </p:sld>
 </file>
 
+<file path=ppt/slides/slide10.xml><?xml version="1.0" encoding="utf-8"?>
+<p:sld xmlns:a="http://schemas.openxmlformats.org/drawingml/2006/main" xmlns:r="http://schemas.openxmlformats.org/officeDocument/2006/relationships" xmlns:p="http://schemas.openxmlformats.org/presentationml/2006/main">
+  <p:cSld>
+    <p:spTree>
+      <p:nvGrpSpPr>
+        <p:cNvPr id="1" name=""/>
+        <p:cNvGrpSpPr/>
+        <p:nvPr/>
+      </p:nvGrpSpPr>
+      <p:grpSpPr>
+        <a:xfrm>
+          <a:off x="0" y="0"/>
+          <a:ext cx="0" cy="0"/>
+          <a:chOff x="0" y="0"/>
+          <a:chExt cx="0" cy="0"/>
+        </a:xfrm>
+      </p:grpSpPr>
+      <p:sp>
+        <p:nvSpPr>
+          <p:cNvPr id="2" name="Title 1">
+            <a:extLst>
+              <a:ext uri="{FF2B5EF4-FFF2-40B4-BE49-F238E27FC236}">
+                <a16:creationId xmlns:a16="http://schemas.microsoft.com/office/drawing/2014/main" id="{999B80B7-DD09-D249-8A71-2529ACE5CCDB}"/>
+              </a:ext>
+            </a:extLst>
+          </p:cNvPr>
+          <p:cNvSpPr>
+            <a:spLocks noGrp="1"/>
+          </p:cNvSpPr>
+          <p:nvPr>
+            <p:ph type="title"/>
+          </p:nvPr>
+        </p:nvSpPr>
+        <p:spPr/>
+        <p:txBody>
+          <a:bodyPr/>
+          <a:lstStyle/>
+          <a:p>
+            <a:r>
+              <a:rPr lang="en-US" dirty="0"/>
+              <a:t>Coursework Essay</a:t>
+            </a:r>
+          </a:p>
+        </p:txBody>
+      </p:sp>
+      <p:sp>
+        <p:nvSpPr>
+          <p:cNvPr id="3" name="Content Placeholder 2">
+            <a:extLst>
+              <a:ext uri="{FF2B5EF4-FFF2-40B4-BE49-F238E27FC236}">
+                <a16:creationId xmlns:a16="http://schemas.microsoft.com/office/drawing/2014/main" id="{418EEABD-91F0-314F-BEB6-AF5AADFA8168}"/>
+              </a:ext>
+            </a:extLst>
+          </p:cNvPr>
+          <p:cNvSpPr>
+            <a:spLocks noGrp="1"/>
+          </p:cNvSpPr>
+          <p:nvPr>
+            <p:ph idx="1"/>
+          </p:nvPr>
+        </p:nvSpPr>
+        <p:spPr/>
+        <p:txBody>
+          <a:bodyPr/>
+          <a:lstStyle/>
+          <a:p>
+            <a:r>
+              <a:rPr lang="en-GB" b="1" dirty="0"/>
+              <a:t>Topic area</a:t>
+            </a:r>
+            <a:endParaRPr lang="en-GB" dirty="0"/>
+          </a:p>
+          <a:p>
+            <a:r>
+              <a:rPr lang="en-GB" sz="2400" dirty="0"/>
+              <a:t>The essay should provide an in-depth analysis of the current state of knowledge on the topic.</a:t>
+            </a:r>
+          </a:p>
+          <a:p>
+            <a:r>
+              <a:rPr lang="en-GB" sz="2400" dirty="0"/>
+              <a:t>It should ideally use concepts from the main aspects of the course: basic theory, models, and measurement, and the integration of models and measurement.</a:t>
+            </a:r>
+          </a:p>
+          <a:p>
+            <a:br>
+              <a:rPr lang="en-GB" sz="2400" dirty="0"/>
+            </a:br>
+            <a:endParaRPr lang="en-US" sz="2400" dirty="0"/>
+          </a:p>
+        </p:txBody>
+      </p:sp>
+    </p:spTree>
+    <p:extLst>
+      <p:ext uri="{BB962C8B-B14F-4D97-AF65-F5344CB8AC3E}">
+        <p14:creationId xmlns:p14="http://schemas.microsoft.com/office/powerpoint/2010/main" val="945924248"/>
+      </p:ext>
+    </p:extLst>
+  </p:cSld>
+  <p:clrMapOvr>
+    <a:masterClrMapping/>
+  </p:clrMapOvr>
+</p:sld>
+</file>
+
+<file path=ppt/slides/slide11.xml><?xml version="1.0" encoding="utf-8"?>
+<p:sld xmlns:a="http://schemas.openxmlformats.org/drawingml/2006/main" xmlns:r="http://schemas.openxmlformats.org/officeDocument/2006/relationships" xmlns:p="http://schemas.openxmlformats.org/presentationml/2006/main">
+  <p:cSld>
+    <p:spTree>
+      <p:nvGrpSpPr>
+        <p:cNvPr id="1" name=""/>
+        <p:cNvGrpSpPr/>
+        <p:nvPr/>
+      </p:nvGrpSpPr>
+      <p:grpSpPr>
+        <a:xfrm>
+          <a:off x="0" y="0"/>
+          <a:ext cx="0" cy="0"/>
+          <a:chOff x="0" y="0"/>
+          <a:chExt cx="0" cy="0"/>
+        </a:xfrm>
+      </p:grpSpPr>
+      <p:sp>
+        <p:nvSpPr>
+          <p:cNvPr id="2" name="Title 1">
+            <a:extLst>
+              <a:ext uri="{FF2B5EF4-FFF2-40B4-BE49-F238E27FC236}">
+                <a16:creationId xmlns:a16="http://schemas.microsoft.com/office/drawing/2014/main" id="{999B80B7-DD09-D249-8A71-2529ACE5CCDB}"/>
+              </a:ext>
+            </a:extLst>
+          </p:cNvPr>
+          <p:cNvSpPr>
+            <a:spLocks noGrp="1"/>
+          </p:cNvSpPr>
+          <p:nvPr>
+            <p:ph type="title"/>
+          </p:nvPr>
+        </p:nvSpPr>
+        <p:spPr/>
+        <p:txBody>
+          <a:bodyPr/>
+          <a:lstStyle/>
+          <a:p>
+            <a:r>
+              <a:rPr lang="en-US" dirty="0"/>
+              <a:t>Coursework Essay</a:t>
+            </a:r>
+          </a:p>
+        </p:txBody>
+      </p:sp>
+      <p:sp>
+        <p:nvSpPr>
+          <p:cNvPr id="3" name="Content Placeholder 2">
+            <a:extLst>
+              <a:ext uri="{FF2B5EF4-FFF2-40B4-BE49-F238E27FC236}">
+                <a16:creationId xmlns:a16="http://schemas.microsoft.com/office/drawing/2014/main" id="{418EEABD-91F0-314F-BEB6-AF5AADFA8168}"/>
+              </a:ext>
+            </a:extLst>
+          </p:cNvPr>
+          <p:cNvSpPr>
+            <a:spLocks noGrp="1"/>
+          </p:cNvSpPr>
+          <p:nvPr>
+            <p:ph idx="1"/>
+          </p:nvPr>
+        </p:nvSpPr>
+        <p:spPr/>
+        <p:txBody>
+          <a:bodyPr/>
+          <a:lstStyle/>
+          <a:p>
+            <a:r>
+              <a:rPr lang="en-GB" sz="1600" b="1" dirty="0"/>
+              <a:t>Essay style</a:t>
+            </a:r>
+            <a:endParaRPr lang="en-GB" sz="1600" dirty="0"/>
+          </a:p>
+          <a:p>
+            <a:r>
+              <a:rPr lang="en-GB" sz="1600" dirty="0"/>
+              <a:t>The essay should have a clear structure, and be based around material from multiple (&gt;10) sources.</a:t>
+            </a:r>
+          </a:p>
+          <a:p>
+            <a:r>
+              <a:rPr lang="en-GB" sz="1600" dirty="0"/>
+              <a:t>Your essay should be a synthesis of information from multiple (&gt;10) papers you have read and other sources. It should not simply be a list of information from a set of different papers or a regurgitation of course notes and figures. It should not simply be a re-hash of sections of IPCC report sections. A synthesis in this sense means bringing together material from multiple sources and presenting it in your own words and with your own critical analysis of the information. This means you should NOT be using large numbers of direct quotes or just paraphrasing slightly by changing a few words around. You must bring the information together and present it in your own words.</a:t>
+            </a:r>
+          </a:p>
+          <a:p>
+            <a:r>
+              <a:rPr lang="en-GB" sz="1600" dirty="0"/>
+              <a:t>It should be based around the same focus as the course, i.e. terrestrial vegetation, rather than soils or atmospheric processes, although you may wish to touch upon such matters for context.</a:t>
+            </a:r>
+          </a:p>
+          <a:p>
+            <a:r>
+              <a:rPr lang="en-GB" sz="1600" dirty="0"/>
+              <a:t>You must work individually on your submission. When using practical- and seminar-related items, these must be materials you have generated yourself (e.g. you can’t use a graph that another student has generated: you must use your own).</a:t>
+            </a:r>
+          </a:p>
+        </p:txBody>
+      </p:sp>
+    </p:spTree>
+    <p:extLst>
+      <p:ext uri="{BB962C8B-B14F-4D97-AF65-F5344CB8AC3E}">
+        <p14:creationId xmlns:p14="http://schemas.microsoft.com/office/powerpoint/2010/main" val="740208114"/>
+      </p:ext>
+    </p:extLst>
+  </p:cSld>
+  <p:clrMapOvr>
+    <a:masterClrMapping/>
+  </p:clrMapOvr>
+</p:sld>
+</file>
+
+<file path=ppt/slides/slide12.xml><?xml version="1.0" encoding="utf-8"?>
+<p:sld xmlns:a="http://schemas.openxmlformats.org/drawingml/2006/main" xmlns:r="http://schemas.openxmlformats.org/officeDocument/2006/relationships" xmlns:p="http://schemas.openxmlformats.org/presentationml/2006/main">
+  <p:cSld>
+    <p:spTree>
+      <p:nvGrpSpPr>
+        <p:cNvPr id="1" name=""/>
+        <p:cNvGrpSpPr/>
+        <p:nvPr/>
+      </p:nvGrpSpPr>
+      <p:grpSpPr>
+        <a:xfrm>
+          <a:off x="0" y="0"/>
+          <a:ext cx="0" cy="0"/>
+          <a:chOff x="0" y="0"/>
+          <a:chExt cx="0" cy="0"/>
+        </a:xfrm>
+      </p:grpSpPr>
+      <p:sp>
+        <p:nvSpPr>
+          <p:cNvPr id="2" name="Title 1">
+            <a:extLst>
+              <a:ext uri="{FF2B5EF4-FFF2-40B4-BE49-F238E27FC236}">
+                <a16:creationId xmlns:a16="http://schemas.microsoft.com/office/drawing/2014/main" id="{999B80B7-DD09-D249-8A71-2529ACE5CCDB}"/>
+              </a:ext>
+            </a:extLst>
+          </p:cNvPr>
+          <p:cNvSpPr>
+            <a:spLocks noGrp="1"/>
+          </p:cNvSpPr>
+          <p:nvPr>
+            <p:ph type="title"/>
+          </p:nvPr>
+        </p:nvSpPr>
+        <p:spPr/>
+        <p:txBody>
+          <a:bodyPr/>
+          <a:lstStyle/>
+          <a:p>
+            <a:r>
+              <a:rPr lang="en-US" dirty="0"/>
+              <a:t>Coursework Essay</a:t>
+            </a:r>
+          </a:p>
+        </p:txBody>
+      </p:sp>
+      <p:sp>
+        <p:nvSpPr>
+          <p:cNvPr id="3" name="Content Placeholder 2">
+            <a:extLst>
+              <a:ext uri="{FF2B5EF4-FFF2-40B4-BE49-F238E27FC236}">
+                <a16:creationId xmlns:a16="http://schemas.microsoft.com/office/drawing/2014/main" id="{418EEABD-91F0-314F-BEB6-AF5AADFA8168}"/>
+              </a:ext>
+            </a:extLst>
+          </p:cNvPr>
+          <p:cNvSpPr>
+            <a:spLocks noGrp="1"/>
+          </p:cNvSpPr>
+          <p:nvPr>
+            <p:ph idx="1"/>
+          </p:nvPr>
+        </p:nvSpPr>
+        <p:spPr/>
+        <p:txBody>
+          <a:bodyPr/>
+          <a:lstStyle/>
+          <a:p>
+            <a:r>
+              <a:rPr lang="en-GB" sz="1600" b="1" dirty="0"/>
+              <a:t>Essay style</a:t>
+            </a:r>
+            <a:endParaRPr lang="en-GB" sz="1600" dirty="0"/>
+          </a:p>
+          <a:p>
+            <a:r>
+              <a:rPr lang="en-GB" sz="1600" dirty="0"/>
+              <a:t>As for all coursework of this nature, to get a very high mark, you will be expected to show clear insight into the subject matter and make use of materials beyond the basics provided in the lectures.</a:t>
+            </a:r>
+          </a:p>
+          <a:p>
+            <a:r>
+              <a:rPr lang="en-GB" sz="1600" dirty="0"/>
+              <a:t>Figures, citations and quotes You must follow standard UCL procedures on citations, and fully attribute all materials used.</a:t>
+            </a:r>
+          </a:p>
+          <a:p>
+            <a:r>
+              <a:rPr lang="en-GB" sz="1600" dirty="0"/>
+              <a:t>All figures and any quotes must be correctly captioned, giving the original source of any graphics used. Any quotes should have a page number associated with them, BUT you should not be using large numbers of direct quotes or long quotes in an essay of this nature.</a:t>
+            </a:r>
+          </a:p>
+          <a:p>
+            <a:r>
+              <a:rPr lang="en-GB" sz="1600" dirty="0"/>
+              <a:t>Avoid citations of material as ‘geog0133 </a:t>
+            </a:r>
+            <a:r>
+              <a:rPr lang="en-GB" sz="1600" dirty="0" err="1"/>
+              <a:t>coursenotes</a:t>
+            </a:r>
+            <a:r>
+              <a:rPr lang="en-GB" sz="1600" dirty="0"/>
+              <a:t>’ and strictly avoid any quotation or figures from the course notes themselves.</a:t>
+            </a:r>
+          </a:p>
+          <a:p>
+            <a:r>
+              <a:rPr lang="en-GB" sz="1600" dirty="0"/>
+              <a:t>You may develop your own figures, but make clear what they are based on (or where the information comes from).</a:t>
+            </a:r>
+          </a:p>
+          <a:p>
+            <a:r>
+              <a:rPr lang="en-GB" sz="1600" dirty="0"/>
+              <a:t>The essay must be fully referenced. For reference to individual figures are other specific information from long or complex sources, make sure you include as page number.</a:t>
+            </a:r>
+          </a:p>
+          <a:p>
+            <a:br>
+              <a:rPr lang="en-GB" sz="1200" dirty="0"/>
+            </a:br>
+            <a:endParaRPr lang="en-US" sz="1200" dirty="0"/>
+          </a:p>
+        </p:txBody>
+      </p:sp>
+    </p:spTree>
+    <p:extLst>
+      <p:ext uri="{BB962C8B-B14F-4D97-AF65-F5344CB8AC3E}">
+        <p14:creationId xmlns:p14="http://schemas.microsoft.com/office/powerpoint/2010/main" val="2833580495"/>
+      </p:ext>
+    </p:extLst>
+  </p:cSld>
+  <p:clrMapOvr>
+    <a:masterClrMapping/>
+  </p:clrMapOvr>
+</p:sld>
+</file>
+
 <file path=ppt/slides/slide2.xml><?xml version="1.0" encoding="utf-8"?>
 <p:sld xmlns:a="http://schemas.openxmlformats.org/drawingml/2006/main" xmlns:r="http://schemas.openxmlformats.org/officeDocument/2006/relationships" xmlns:p="http://schemas.openxmlformats.org/presentationml/2006/main">
   <p:cSld>
@@ -5604,8 +5963,33 @@
           <a:p>
             <a:r>
               <a:rPr lang="en-US" dirty="0"/>
-              <a:t>100% of the assessment, essay-based questions, answer 2 Q from 6 (in 24 hours)</a:t>
-            </a:r>
+              <a:t>Assessment: submission 1</a:t>
+            </a:r>
+            <a:r>
+              <a:rPr lang="en-US" baseline="30000" dirty="0"/>
+              <a:t>st</a:t>
+            </a:r>
+            <a:r>
+              <a:rPr lang="en-US" dirty="0"/>
+              <a:t> day of T3 (25</a:t>
+            </a:r>
+            <a:r>
+              <a:rPr lang="en-US" baseline="30000" dirty="0"/>
+              <a:t>th</a:t>
+            </a:r>
+            <a:r>
+              <a:rPr lang="en-US" dirty="0"/>
+              <a:t> April)</a:t>
+            </a:r>
+          </a:p>
+          <a:p>
+            <a:r>
+              <a:rPr lang="en-US" dirty="0"/>
+              <a:t>3500 word coursework essay</a:t>
+            </a:r>
+          </a:p>
+          <a:p>
+            <a:endParaRPr lang="en-US" dirty="0"/>
           </a:p>
           <a:p>
             <a:r>
@@ -5623,22 +6007,6 @@
             <a:r>
               <a:rPr lang="en-US" dirty="0" err="1"/>
               <a:t>practicals</a:t>
-            </a:r>
-            <a:r>
-              <a:rPr lang="en-US" dirty="0"/>
-              <a:t> </a:t>
-            </a:r>
-          </a:p>
-          <a:p>
-            <a:r>
-              <a:rPr lang="en-US" dirty="0"/>
-              <a:t>	</a:t>
-            </a:r>
-            <a:r>
-              <a:rPr lang="en-US" dirty="0">
-                <a:hlinkClick r:id="rId4"/>
-              </a:rPr>
-              <a:t>https://ucl-eo-geog0133.readthedocs-hosted.com/en/latest/?badge=latest</a:t>
             </a:r>
             <a:endParaRPr lang="en-US" dirty="0"/>
           </a:p>
@@ -5670,7 +6038,7 @@
           </p:nvPr>
         </p:nvPicPr>
         <p:blipFill>
-          <a:blip r:embed="rId5"/>
+          <a:blip r:embed="rId4"/>
           <a:stretch>
             <a:fillRect/>
           </a:stretch>
@@ -5787,6 +6155,351 @@
       </p:par>
     </p:tnLst>
   </p:timing>
+</p:sld>
+</file>
+
+<file path=ppt/slides/slide7.xml><?xml version="1.0" encoding="utf-8"?>
+<p:sld xmlns:a="http://schemas.openxmlformats.org/drawingml/2006/main" xmlns:r="http://schemas.openxmlformats.org/officeDocument/2006/relationships" xmlns:p="http://schemas.openxmlformats.org/presentationml/2006/main">
+  <p:cSld>
+    <p:spTree>
+      <p:nvGrpSpPr>
+        <p:cNvPr id="1" name=""/>
+        <p:cNvGrpSpPr/>
+        <p:nvPr/>
+      </p:nvGrpSpPr>
+      <p:grpSpPr>
+        <a:xfrm>
+          <a:off x="0" y="0"/>
+          <a:ext cx="0" cy="0"/>
+          <a:chOff x="0" y="0"/>
+          <a:chExt cx="0" cy="0"/>
+        </a:xfrm>
+      </p:grpSpPr>
+      <p:sp>
+        <p:nvSpPr>
+          <p:cNvPr id="2" name="Title 1">
+            <a:extLst>
+              <a:ext uri="{FF2B5EF4-FFF2-40B4-BE49-F238E27FC236}">
+                <a16:creationId xmlns:a16="http://schemas.microsoft.com/office/drawing/2014/main" id="{999B80B7-DD09-D249-8A71-2529ACE5CCDB}"/>
+              </a:ext>
+            </a:extLst>
+          </p:cNvPr>
+          <p:cNvSpPr>
+            <a:spLocks noGrp="1"/>
+          </p:cNvSpPr>
+          <p:nvPr>
+            <p:ph type="title"/>
+          </p:nvPr>
+        </p:nvSpPr>
+        <p:spPr/>
+        <p:txBody>
+          <a:bodyPr/>
+          <a:lstStyle/>
+          <a:p>
+            <a:r>
+              <a:rPr lang="en-US" dirty="0"/>
+              <a:t>Coursework Essay</a:t>
+            </a:r>
+          </a:p>
+        </p:txBody>
+      </p:sp>
+      <p:sp>
+        <p:nvSpPr>
+          <p:cNvPr id="3" name="Content Placeholder 2">
+            <a:extLst>
+              <a:ext uri="{FF2B5EF4-FFF2-40B4-BE49-F238E27FC236}">
+                <a16:creationId xmlns:a16="http://schemas.microsoft.com/office/drawing/2014/main" id="{418EEABD-91F0-314F-BEB6-AF5AADFA8168}"/>
+              </a:ext>
+            </a:extLst>
+          </p:cNvPr>
+          <p:cNvSpPr>
+            <a:spLocks noGrp="1"/>
+          </p:cNvSpPr>
+          <p:nvPr>
+            <p:ph idx="1"/>
+          </p:nvPr>
+        </p:nvSpPr>
+        <p:spPr/>
+        <p:txBody>
+          <a:bodyPr/>
+          <a:lstStyle/>
+          <a:p>
+            <a:pPr marL="457200" indent="-457200">
+              <a:buFont typeface="Arial" panose="020B0604020202020204" pitchFamily="34" charset="0"/>
+              <a:buChar char="•"/>
+            </a:pPr>
+            <a:r>
+              <a:rPr lang="en-US" dirty="0"/>
+              <a:t>3500 words</a:t>
+            </a:r>
+          </a:p>
+          <a:p>
+            <a:pPr marL="457200" indent="-457200">
+              <a:buFont typeface="Arial" panose="020B0604020202020204" pitchFamily="34" charset="0"/>
+              <a:buChar char="•"/>
+            </a:pPr>
+            <a:r>
+              <a:rPr lang="en-GB" b="1" dirty="0"/>
+              <a:t>25 April 2022</a:t>
+            </a:r>
+          </a:p>
+          <a:p>
+            <a:r>
+              <a:rPr lang="en-GB" b="1" dirty="0"/>
+              <a:t>“Describe the key spatial and temporal patterns of terrestrial carbon stocks and fluxes in recent decades (post 2000). Your answer should explain the processes that control these patterns and the uncertainties in our knowledge of these processes.”</a:t>
+            </a:r>
+            <a:endParaRPr lang="en-GB" dirty="0"/>
+          </a:p>
+          <a:p>
+            <a:br>
+              <a:rPr lang="en-GB" dirty="0"/>
+            </a:br>
+            <a:endParaRPr lang="en-US" dirty="0"/>
+          </a:p>
+        </p:txBody>
+      </p:sp>
+    </p:spTree>
+    <p:extLst>
+      <p:ext uri="{BB962C8B-B14F-4D97-AF65-F5344CB8AC3E}">
+        <p14:creationId xmlns:p14="http://schemas.microsoft.com/office/powerpoint/2010/main" val="163124755"/>
+      </p:ext>
+    </p:extLst>
+  </p:cSld>
+  <p:clrMapOvr>
+    <a:masterClrMapping/>
+  </p:clrMapOvr>
+</p:sld>
+</file>
+
+<file path=ppt/slides/slide8.xml><?xml version="1.0" encoding="utf-8"?>
+<p:sld xmlns:a="http://schemas.openxmlformats.org/drawingml/2006/main" xmlns:r="http://schemas.openxmlformats.org/officeDocument/2006/relationships" xmlns:p="http://schemas.openxmlformats.org/presentationml/2006/main">
+  <p:cSld>
+    <p:spTree>
+      <p:nvGrpSpPr>
+        <p:cNvPr id="1" name=""/>
+        <p:cNvGrpSpPr/>
+        <p:nvPr/>
+      </p:nvGrpSpPr>
+      <p:grpSpPr>
+        <a:xfrm>
+          <a:off x="0" y="0"/>
+          <a:ext cx="0" cy="0"/>
+          <a:chOff x="0" y="0"/>
+          <a:chExt cx="0" cy="0"/>
+        </a:xfrm>
+      </p:grpSpPr>
+      <p:sp>
+        <p:nvSpPr>
+          <p:cNvPr id="2" name="Title 1">
+            <a:extLst>
+              <a:ext uri="{FF2B5EF4-FFF2-40B4-BE49-F238E27FC236}">
+                <a16:creationId xmlns:a16="http://schemas.microsoft.com/office/drawing/2014/main" id="{999B80B7-DD09-D249-8A71-2529ACE5CCDB}"/>
+              </a:ext>
+            </a:extLst>
+          </p:cNvPr>
+          <p:cNvSpPr>
+            <a:spLocks noGrp="1"/>
+          </p:cNvSpPr>
+          <p:nvPr>
+            <p:ph type="title"/>
+          </p:nvPr>
+        </p:nvSpPr>
+        <p:spPr/>
+        <p:txBody>
+          <a:bodyPr/>
+          <a:lstStyle/>
+          <a:p>
+            <a:r>
+              <a:rPr lang="en-US" dirty="0"/>
+              <a:t>Coursework Essay</a:t>
+            </a:r>
+          </a:p>
+        </p:txBody>
+      </p:sp>
+      <p:sp>
+        <p:nvSpPr>
+          <p:cNvPr id="3" name="Content Placeholder 2">
+            <a:extLst>
+              <a:ext uri="{FF2B5EF4-FFF2-40B4-BE49-F238E27FC236}">
+                <a16:creationId xmlns:a16="http://schemas.microsoft.com/office/drawing/2014/main" id="{418EEABD-91F0-314F-BEB6-AF5AADFA8168}"/>
+              </a:ext>
+            </a:extLst>
+          </p:cNvPr>
+          <p:cNvSpPr>
+            <a:spLocks noGrp="1"/>
+          </p:cNvSpPr>
+          <p:nvPr>
+            <p:ph idx="1"/>
+          </p:nvPr>
+        </p:nvSpPr>
+        <p:spPr/>
+        <p:txBody>
+          <a:bodyPr/>
+          <a:lstStyle/>
+          <a:p>
+            <a:r>
+              <a:rPr lang="en-GB" b="1" dirty="0"/>
+              <a:t>Length and core requirements</a:t>
+            </a:r>
+            <a:endParaRPr lang="en-GB" dirty="0"/>
+          </a:p>
+          <a:p>
+            <a:r>
+              <a:rPr lang="en-GB" dirty="0"/>
+              <a:t>Your essay should be 3500 words or less (not including figure captions and references).</a:t>
+            </a:r>
+          </a:p>
+          <a:p>
+            <a:r>
+              <a:rPr lang="en-GB" dirty="0"/>
+              <a:t>It should directly address the essay title and synthesise materials from reading around the subject of terrestrial carbon dynamics: modelling and monitoring, and well as course </a:t>
+            </a:r>
+            <a:r>
+              <a:rPr lang="en-GB" dirty="0" err="1"/>
+              <a:t>practicals</a:t>
+            </a:r>
+            <a:r>
+              <a:rPr lang="en-GB" dirty="0"/>
+              <a:t> and seminar materials.</a:t>
+            </a:r>
+          </a:p>
+          <a:p>
+            <a:r>
+              <a:rPr lang="en-GB" dirty="0"/>
+              <a:t>have a clear structure, and be based around material from multiple (&gt;10) sources.</a:t>
+            </a:r>
+          </a:p>
+        </p:txBody>
+      </p:sp>
+    </p:spTree>
+    <p:extLst>
+      <p:ext uri="{BB962C8B-B14F-4D97-AF65-F5344CB8AC3E}">
+        <p14:creationId xmlns:p14="http://schemas.microsoft.com/office/powerpoint/2010/main" val="3942248737"/>
+      </p:ext>
+    </p:extLst>
+  </p:cSld>
+  <p:clrMapOvr>
+    <a:masterClrMapping/>
+  </p:clrMapOvr>
+</p:sld>
+</file>
+
+<file path=ppt/slides/slide9.xml><?xml version="1.0" encoding="utf-8"?>
+<p:sld xmlns:a="http://schemas.openxmlformats.org/drawingml/2006/main" xmlns:r="http://schemas.openxmlformats.org/officeDocument/2006/relationships" xmlns:p="http://schemas.openxmlformats.org/presentationml/2006/main">
+  <p:cSld>
+    <p:spTree>
+      <p:nvGrpSpPr>
+        <p:cNvPr id="1" name=""/>
+        <p:cNvGrpSpPr/>
+        <p:nvPr/>
+      </p:nvGrpSpPr>
+      <p:grpSpPr>
+        <a:xfrm>
+          <a:off x="0" y="0"/>
+          <a:ext cx="0" cy="0"/>
+          <a:chOff x="0" y="0"/>
+          <a:chExt cx="0" cy="0"/>
+        </a:xfrm>
+      </p:grpSpPr>
+      <p:sp>
+        <p:nvSpPr>
+          <p:cNvPr id="2" name="Title 1">
+            <a:extLst>
+              <a:ext uri="{FF2B5EF4-FFF2-40B4-BE49-F238E27FC236}">
+                <a16:creationId xmlns:a16="http://schemas.microsoft.com/office/drawing/2014/main" id="{999B80B7-DD09-D249-8A71-2529ACE5CCDB}"/>
+              </a:ext>
+            </a:extLst>
+          </p:cNvPr>
+          <p:cNvSpPr>
+            <a:spLocks noGrp="1"/>
+          </p:cNvSpPr>
+          <p:nvPr>
+            <p:ph type="title"/>
+          </p:nvPr>
+        </p:nvSpPr>
+        <p:spPr/>
+        <p:txBody>
+          <a:bodyPr/>
+          <a:lstStyle/>
+          <a:p>
+            <a:r>
+              <a:rPr lang="en-US" dirty="0"/>
+              <a:t>Coursework Essay</a:t>
+            </a:r>
+          </a:p>
+        </p:txBody>
+      </p:sp>
+      <p:sp>
+        <p:nvSpPr>
+          <p:cNvPr id="3" name="Content Placeholder 2">
+            <a:extLst>
+              <a:ext uri="{FF2B5EF4-FFF2-40B4-BE49-F238E27FC236}">
+                <a16:creationId xmlns:a16="http://schemas.microsoft.com/office/drawing/2014/main" id="{418EEABD-91F0-314F-BEB6-AF5AADFA8168}"/>
+              </a:ext>
+            </a:extLst>
+          </p:cNvPr>
+          <p:cNvSpPr>
+            <a:spLocks noGrp="1"/>
+          </p:cNvSpPr>
+          <p:nvPr>
+            <p:ph idx="1"/>
+          </p:nvPr>
+        </p:nvSpPr>
+        <p:spPr/>
+        <p:txBody>
+          <a:bodyPr/>
+          <a:lstStyle/>
+          <a:p>
+            <a:r>
+              <a:rPr lang="en-GB" b="1" dirty="0"/>
+              <a:t>Length and core requirements</a:t>
+            </a:r>
+            <a:endParaRPr lang="en-GB" dirty="0"/>
+          </a:p>
+          <a:p>
+            <a:r>
+              <a:rPr lang="en-GB" sz="2400" dirty="0"/>
+              <a:t>Your essay should be 3500 words or less (not including figure captions and references).</a:t>
+            </a:r>
+          </a:p>
+          <a:p>
+            <a:r>
+              <a:rPr lang="en-GB" sz="2400" dirty="0"/>
+              <a:t>It should directly address the essay title and synthesise materials from reading around the subject of terrestrial carbon dynamics: modelling and monitoring, and well as course </a:t>
+            </a:r>
+            <a:r>
+              <a:rPr lang="en-GB" sz="2400" dirty="0" err="1"/>
+              <a:t>practicals</a:t>
+            </a:r>
+            <a:r>
+              <a:rPr lang="en-GB" sz="2400" dirty="0"/>
+              <a:t> and seminar materials.</a:t>
+            </a:r>
+          </a:p>
+          <a:p>
+            <a:r>
+              <a:rPr lang="en-GB" sz="2400" dirty="0"/>
+              <a:t>It should demonstrate an understanding of core underlying theories, models and appropriate measurement methods and be able to express them simply and clearly.</a:t>
+            </a:r>
+          </a:p>
+          <a:p>
+            <a:br>
+              <a:rPr lang="en-GB" dirty="0"/>
+            </a:br>
+            <a:endParaRPr lang="en-US" dirty="0"/>
+          </a:p>
+        </p:txBody>
+      </p:sp>
+    </p:spTree>
+    <p:extLst>
+      <p:ext uri="{BB962C8B-B14F-4D97-AF65-F5344CB8AC3E}">
+        <p14:creationId xmlns:p14="http://schemas.microsoft.com/office/powerpoint/2010/main" val="1467628449"/>
+      </p:ext>
+    </p:extLst>
+  </p:cSld>
+  <p:clrMapOvr>
+    <a:masterClrMapping/>
+  </p:clrMapOvr>
 </p:sld>
 </file>
 

--- a/docs/ppt/GEOG0113-001.pptx
+++ b/docs/ppt/GEOG0113-001.pptx
@@ -4349,8 +4349,13 @@
             <a:pPr eaLnBrk="1"/>
             <a:r>
               <a:rPr lang="en-GB" b="1" dirty="0"/>
-              <a:t>P. Lewis</a:t>
-            </a:r>
+              <a:t>H. </a:t>
+            </a:r>
+            <a:r>
+              <a:rPr lang="en-GB" b="1" dirty="0" err="1"/>
+              <a:t>Heorton</a:t>
+            </a:r>
+            <a:endParaRPr lang="en-GB" b="1" dirty="0"/>
           </a:p>
           <a:p>
             <a:pPr eaLnBrk="1"/>
@@ -4369,44 +4374,6 @@
           </a:p>
         </p:txBody>
       </p:sp>
-      <p:pic>
-        <p:nvPicPr>
-          <p:cNvPr id="2" name="Audio Recording 11 Jan 2021 at 14:02:28" descr="Audio Recording 11 Jan 2021 at 14:02:28">
-            <a:hlinkClick r:id="" action="ppaction://media"/>
-            <a:extLst>
-              <a:ext uri="{FF2B5EF4-FFF2-40B4-BE49-F238E27FC236}">
-                <a16:creationId xmlns:a16="http://schemas.microsoft.com/office/drawing/2014/main" id="{7CD2BF1F-D6B8-7448-976B-90CD067449EC}"/>
-              </a:ext>
-            </a:extLst>
-          </p:cNvPr>
-          <p:cNvPicPr>
-            <a:picLocks noChangeAspect="1"/>
-          </p:cNvPicPr>
-          <p:nvPr>
-            <a:audioFile r:link="rId2"/>
-            <p:extLst>
-              <p:ext uri="{DAA4B4D4-6D71-4841-9C94-3DE7FCFB9230}">
-                <p14:media xmlns:p14="http://schemas.microsoft.com/office/powerpoint/2010/main" r:embed="rId1"/>
-              </p:ext>
-            </p:extLst>
-          </p:nvPr>
-        </p:nvPicPr>
-        <p:blipFill>
-          <a:blip r:embed="rId5"/>
-          <a:stretch>
-            <a:fillRect/>
-          </a:stretch>
-        </p:blipFill>
-        <p:spPr>
-          <a:xfrm>
-            <a:off x="4633912" y="3373437"/>
-            <a:ext cx="812800" cy="812800"/>
-          </a:xfrm>
-          <a:prstGeom prst="rect">
-            <a:avLst/>
-          </a:prstGeom>
-        </p:spPr>
-      </p:pic>
     </p:spTree>
   </p:cSld>
   <p:clrMapOvr>
@@ -4420,90 +4387,6 @@
       <p:transition spd="slow" advTm="16086"/>
     </mc:Fallback>
   </mc:AlternateContent>
-  <p:timing>
-    <p:tnLst>
-      <p:par>
-        <p:cTn id="1" dur="indefinite" restart="never" nodeType="tmRoot">
-          <p:childTnLst>
-            <p:seq concurrent="1" nextAc="seek">
-              <p:cTn id="2" dur="indefinite" nodeType="mainSeq">
-                <p:childTnLst>
-                  <p:par>
-                    <p:cTn id="3" fill="hold">
-                      <p:stCondLst>
-                        <p:cond delay="indefinite"/>
-                      </p:stCondLst>
-                      <p:childTnLst>
-                        <p:par>
-                          <p:cTn id="4" fill="hold">
-                            <p:stCondLst>
-                              <p:cond delay="0"/>
-                            </p:stCondLst>
-                            <p:childTnLst>
-                              <p:par>
-                                <p:cTn id="5" presetID="1" presetClass="mediacall" presetSubtype="0" fill="hold" nodeType="clickEffect">
-                                  <p:stCondLst>
-                                    <p:cond delay="0"/>
-                                  </p:stCondLst>
-                                  <p:childTnLst>
-                                    <p:cmd type="call" cmd="playFrom(0.0)">
-                                      <p:cBhvr>
-                                        <p:cTn id="6" dur="20544" fill="hold"/>
-                                        <p:tgtEl>
-                                          <p:spTgt spid="2"/>
-                                        </p:tgtEl>
-                                      </p:cBhvr>
-                                    </p:cmd>
-                                  </p:childTnLst>
-                                </p:cTn>
-                              </p:par>
-                            </p:childTnLst>
-                          </p:cTn>
-                        </p:par>
-                      </p:childTnLst>
-                    </p:cTn>
-                  </p:par>
-                </p:childTnLst>
-              </p:cTn>
-              <p:prevCondLst>
-                <p:cond evt="onPrev" delay="0">
-                  <p:tgtEl>
-                    <p:sldTgt/>
-                  </p:tgtEl>
-                </p:cond>
-              </p:prevCondLst>
-              <p:nextCondLst>
-                <p:cond evt="onNext" delay="0">
-                  <p:tgtEl>
-                    <p:sldTgt/>
-                  </p:tgtEl>
-                </p:cond>
-              </p:nextCondLst>
-            </p:seq>
-            <p:audio>
-              <p:cMediaNode vol="80000">
-                <p:cTn id="7" fill="hold" display="0">
-                  <p:stCondLst>
-                    <p:cond delay="indefinite"/>
-                  </p:stCondLst>
-                  <p:endCondLst>
-                    <p:cond evt="onStopAudio" delay="0">
-                      <p:tgtEl>
-                        <p:sldTgt/>
-                      </p:tgtEl>
-                    </p:cond>
-                  </p:endCondLst>
-                </p:cTn>
-                <p:tgtEl>
-                  <p:spTgt spid="2"/>
-                </p:tgtEl>
-              </p:cMediaNode>
-            </p:audio>
-          </p:childTnLst>
-        </p:cTn>
-      </p:par>
-    </p:tnLst>
-  </p:timing>
 </p:sld>
 </file>
 
@@ -4979,44 +4862,6 @@
           </a:p>
         </p:txBody>
       </p:sp>
-      <p:pic>
-        <p:nvPicPr>
-          <p:cNvPr id="4" name="Audio Recording 11 Jan 2021 at 14:04:43" descr="Audio Recording 11 Jan 2021 at 14:04:43">
-            <a:hlinkClick r:id="" action="ppaction://media"/>
-            <a:extLst>
-              <a:ext uri="{FF2B5EF4-FFF2-40B4-BE49-F238E27FC236}">
-                <a16:creationId xmlns:a16="http://schemas.microsoft.com/office/drawing/2014/main" id="{7F52E7D5-A21E-4E4C-81B0-258231A890BE}"/>
-              </a:ext>
-            </a:extLst>
-          </p:cNvPr>
-          <p:cNvPicPr>
-            <a:picLocks noChangeAspect="1"/>
-          </p:cNvPicPr>
-          <p:nvPr>
-            <a:audioFile r:link="rId2"/>
-            <p:extLst>
-              <p:ext uri="{DAA4B4D4-6D71-4841-9C94-3DE7FCFB9230}">
-                <p14:media xmlns:p14="http://schemas.microsoft.com/office/powerpoint/2010/main" r:embed="rId1"/>
-              </p:ext>
-            </p:extLst>
-          </p:nvPr>
-        </p:nvPicPr>
-        <p:blipFill>
-          <a:blip r:embed="rId4"/>
-          <a:stretch>
-            <a:fillRect/>
-          </a:stretch>
-        </p:blipFill>
-        <p:spPr>
-          <a:xfrm>
-            <a:off x="4633913" y="3373438"/>
-            <a:ext cx="812800" cy="812800"/>
-          </a:xfrm>
-          <a:prstGeom prst="rect">
-            <a:avLst/>
-          </a:prstGeom>
-        </p:spPr>
-      </p:pic>
     </p:spTree>
     <p:extLst>
       <p:ext uri="{BB962C8B-B14F-4D97-AF65-F5344CB8AC3E}">
@@ -5035,90 +4880,6 @@
       <p:transition spd="slow" advTm="84964"/>
     </mc:Fallback>
   </mc:AlternateContent>
-  <p:timing>
-    <p:tnLst>
-      <p:par>
-        <p:cTn id="1" dur="indefinite" restart="never" nodeType="tmRoot">
-          <p:childTnLst>
-            <p:seq concurrent="1" nextAc="seek">
-              <p:cTn id="2" dur="indefinite" nodeType="mainSeq">
-                <p:childTnLst>
-                  <p:par>
-                    <p:cTn id="3" fill="hold">
-                      <p:stCondLst>
-                        <p:cond delay="indefinite"/>
-                      </p:stCondLst>
-                      <p:childTnLst>
-                        <p:par>
-                          <p:cTn id="4" fill="hold">
-                            <p:stCondLst>
-                              <p:cond delay="0"/>
-                            </p:stCondLst>
-                            <p:childTnLst>
-                              <p:par>
-                                <p:cTn id="5" presetID="1" presetClass="mediacall" presetSubtype="0" fill="hold" nodeType="clickEffect">
-                                  <p:stCondLst>
-                                    <p:cond delay="0"/>
-                                  </p:stCondLst>
-                                  <p:childTnLst>
-                                    <p:cmd type="call" cmd="playFrom(0.0)">
-                                      <p:cBhvr>
-                                        <p:cTn id="6" dur="69184" fill="hold"/>
-                                        <p:tgtEl>
-                                          <p:spTgt spid="4"/>
-                                        </p:tgtEl>
-                                      </p:cBhvr>
-                                    </p:cmd>
-                                  </p:childTnLst>
-                                </p:cTn>
-                              </p:par>
-                            </p:childTnLst>
-                          </p:cTn>
-                        </p:par>
-                      </p:childTnLst>
-                    </p:cTn>
-                  </p:par>
-                </p:childTnLst>
-              </p:cTn>
-              <p:prevCondLst>
-                <p:cond evt="onPrev" delay="0">
-                  <p:tgtEl>
-                    <p:sldTgt/>
-                  </p:tgtEl>
-                </p:cond>
-              </p:prevCondLst>
-              <p:nextCondLst>
-                <p:cond evt="onNext" delay="0">
-                  <p:tgtEl>
-                    <p:sldTgt/>
-                  </p:tgtEl>
-                </p:cond>
-              </p:nextCondLst>
-            </p:seq>
-            <p:audio>
-              <p:cMediaNode vol="80000">
-                <p:cTn id="7" fill="hold" display="0">
-                  <p:stCondLst>
-                    <p:cond delay="indefinite"/>
-                  </p:stCondLst>
-                  <p:endCondLst>
-                    <p:cond evt="onStopAudio" delay="0">
-                      <p:tgtEl>
-                        <p:sldTgt/>
-                      </p:tgtEl>
-                    </p:cond>
-                  </p:endCondLst>
-                </p:cTn>
-                <p:tgtEl>
-                  <p:spTgt spid="4"/>
-                </p:tgtEl>
-              </p:cMediaNode>
-            </p:audio>
-          </p:childTnLst>
-        </p:cTn>
-      </p:par>
-    </p:tnLst>
-  </p:timing>
 </p:sld>
 </file>
 
@@ -5270,44 +5031,6 @@
           </a:p>
         </p:txBody>
       </p:sp>
-      <p:pic>
-        <p:nvPicPr>
-          <p:cNvPr id="4" name="Audio Recording 11 Jan 2021 at 14:05:29" descr="Audio Recording 11 Jan 2021 at 14:05:29">
-            <a:hlinkClick r:id="" action="ppaction://media"/>
-            <a:extLst>
-              <a:ext uri="{FF2B5EF4-FFF2-40B4-BE49-F238E27FC236}">
-                <a16:creationId xmlns:a16="http://schemas.microsoft.com/office/drawing/2014/main" id="{E3535B93-5A38-9D4F-82E0-9476FEAB6E0E}"/>
-              </a:ext>
-            </a:extLst>
-          </p:cNvPr>
-          <p:cNvPicPr>
-            <a:picLocks noChangeAspect="1"/>
-          </p:cNvPicPr>
-          <p:nvPr>
-            <a:audioFile r:link="rId2"/>
-            <p:extLst>
-              <p:ext uri="{DAA4B4D4-6D71-4841-9C94-3DE7FCFB9230}">
-                <p14:media xmlns:p14="http://schemas.microsoft.com/office/powerpoint/2010/main" r:embed="rId1"/>
-              </p:ext>
-            </p:extLst>
-          </p:nvPr>
-        </p:nvPicPr>
-        <p:blipFill>
-          <a:blip r:embed="rId4"/>
-          <a:stretch>
-            <a:fillRect/>
-          </a:stretch>
-        </p:blipFill>
-        <p:spPr>
-          <a:xfrm>
-            <a:off x="4633913" y="3373438"/>
-            <a:ext cx="812800" cy="812800"/>
-          </a:xfrm>
-          <a:prstGeom prst="rect">
-            <a:avLst/>
-          </a:prstGeom>
-        </p:spPr>
-      </p:pic>
     </p:spTree>
     <p:extLst>
       <p:ext uri="{BB962C8B-B14F-4D97-AF65-F5344CB8AC3E}">
@@ -5326,90 +5049,6 @@
       <p:transition spd="slow" advTm="11463"/>
     </mc:Fallback>
   </mc:AlternateContent>
-  <p:timing>
-    <p:tnLst>
-      <p:par>
-        <p:cTn id="1" dur="indefinite" restart="never" nodeType="tmRoot">
-          <p:childTnLst>
-            <p:seq concurrent="1" nextAc="seek">
-              <p:cTn id="2" dur="indefinite" nodeType="mainSeq">
-                <p:childTnLst>
-                  <p:par>
-                    <p:cTn id="3" fill="hold">
-                      <p:stCondLst>
-                        <p:cond delay="indefinite"/>
-                      </p:stCondLst>
-                      <p:childTnLst>
-                        <p:par>
-                          <p:cTn id="4" fill="hold">
-                            <p:stCondLst>
-                              <p:cond delay="0"/>
-                            </p:stCondLst>
-                            <p:childTnLst>
-                              <p:par>
-                                <p:cTn id="5" presetID="1" presetClass="mediacall" presetSubtype="0" fill="hold" nodeType="clickEffect">
-                                  <p:stCondLst>
-                                    <p:cond delay="0"/>
-                                  </p:stCondLst>
-                                  <p:childTnLst>
-                                    <p:cmd type="call" cmd="playFrom(0.0)">
-                                      <p:cBhvr>
-                                        <p:cTn id="6" dur="31296" fill="hold"/>
-                                        <p:tgtEl>
-                                          <p:spTgt spid="4"/>
-                                        </p:tgtEl>
-                                      </p:cBhvr>
-                                    </p:cmd>
-                                  </p:childTnLst>
-                                </p:cTn>
-                              </p:par>
-                            </p:childTnLst>
-                          </p:cTn>
-                        </p:par>
-                      </p:childTnLst>
-                    </p:cTn>
-                  </p:par>
-                </p:childTnLst>
-              </p:cTn>
-              <p:prevCondLst>
-                <p:cond evt="onPrev" delay="0">
-                  <p:tgtEl>
-                    <p:sldTgt/>
-                  </p:tgtEl>
-                </p:cond>
-              </p:prevCondLst>
-              <p:nextCondLst>
-                <p:cond evt="onNext" delay="0">
-                  <p:tgtEl>
-                    <p:sldTgt/>
-                  </p:tgtEl>
-                </p:cond>
-              </p:nextCondLst>
-            </p:seq>
-            <p:audio>
-              <p:cMediaNode vol="80000">
-                <p:cTn id="7" fill="hold" display="0">
-                  <p:stCondLst>
-                    <p:cond delay="indefinite"/>
-                  </p:stCondLst>
-                  <p:endCondLst>
-                    <p:cond evt="onStopAudio" delay="0">
-                      <p:tgtEl>
-                        <p:sldTgt/>
-                      </p:tgtEl>
-                    </p:cond>
-                  </p:endCondLst>
-                </p:cTn>
-                <p:tgtEl>
-                  <p:spTgt spid="4"/>
-                </p:tgtEl>
-              </p:cMediaNode>
-            </p:audio>
-          </p:childTnLst>
-        </p:cTn>
-      </p:par>
-    </p:tnLst>
-  </p:timing>
 </p:sld>
 </file>
 
@@ -5505,44 +5144,6 @@
           </a:p>
         </p:txBody>
       </p:sp>
-      <p:pic>
-        <p:nvPicPr>
-          <p:cNvPr id="4" name="Audio Recording 11 Jan 2021 at 14:06:51" descr="Audio Recording 11 Jan 2021 at 14:06:51">
-            <a:hlinkClick r:id="" action="ppaction://media"/>
-            <a:extLst>
-              <a:ext uri="{FF2B5EF4-FFF2-40B4-BE49-F238E27FC236}">
-                <a16:creationId xmlns:a16="http://schemas.microsoft.com/office/drawing/2014/main" id="{F3DF6BA2-0345-6F4B-876C-32D9EA4A8073}"/>
-              </a:ext>
-            </a:extLst>
-          </p:cNvPr>
-          <p:cNvPicPr>
-            <a:picLocks noChangeAspect="1"/>
-          </p:cNvPicPr>
-          <p:nvPr>
-            <a:audioFile r:link="rId2"/>
-            <p:extLst>
-              <p:ext uri="{DAA4B4D4-6D71-4841-9C94-3DE7FCFB9230}">
-                <p14:media xmlns:p14="http://schemas.microsoft.com/office/powerpoint/2010/main" r:embed="rId1"/>
-              </p:ext>
-            </p:extLst>
-          </p:nvPr>
-        </p:nvPicPr>
-        <p:blipFill>
-          <a:blip r:embed="rId4"/>
-          <a:stretch>
-            <a:fillRect/>
-          </a:stretch>
-        </p:blipFill>
-        <p:spPr>
-          <a:xfrm>
-            <a:off x="4633913" y="3373438"/>
-            <a:ext cx="812800" cy="812800"/>
-          </a:xfrm>
-          <a:prstGeom prst="rect">
-            <a:avLst/>
-          </a:prstGeom>
-        </p:spPr>
-      </p:pic>
     </p:spTree>
     <p:extLst>
       <p:ext uri="{BB962C8B-B14F-4D97-AF65-F5344CB8AC3E}">
@@ -5561,90 +5162,6 @@
       <p:transition spd="slow" advTm="33758"/>
     </mc:Fallback>
   </mc:AlternateContent>
-  <p:timing>
-    <p:tnLst>
-      <p:par>
-        <p:cTn id="1" dur="indefinite" restart="never" nodeType="tmRoot">
-          <p:childTnLst>
-            <p:seq concurrent="1" nextAc="seek">
-              <p:cTn id="2" dur="indefinite" nodeType="mainSeq">
-                <p:childTnLst>
-                  <p:par>
-                    <p:cTn id="3" fill="hold">
-                      <p:stCondLst>
-                        <p:cond delay="indefinite"/>
-                      </p:stCondLst>
-                      <p:childTnLst>
-                        <p:par>
-                          <p:cTn id="4" fill="hold">
-                            <p:stCondLst>
-                              <p:cond delay="0"/>
-                            </p:stCondLst>
-                            <p:childTnLst>
-                              <p:par>
-                                <p:cTn id="5" presetID="1" presetClass="mediacall" presetSubtype="0" fill="hold" nodeType="clickEffect">
-                                  <p:stCondLst>
-                                    <p:cond delay="0"/>
-                                  </p:stCondLst>
-                                  <p:childTnLst>
-                                    <p:cmd type="call" cmd="playFrom(0.0)">
-                                      <p:cBhvr>
-                                        <p:cTn id="6" dur="75904" fill="hold"/>
-                                        <p:tgtEl>
-                                          <p:spTgt spid="4"/>
-                                        </p:tgtEl>
-                                      </p:cBhvr>
-                                    </p:cmd>
-                                  </p:childTnLst>
-                                </p:cTn>
-                              </p:par>
-                            </p:childTnLst>
-                          </p:cTn>
-                        </p:par>
-                      </p:childTnLst>
-                    </p:cTn>
-                  </p:par>
-                </p:childTnLst>
-              </p:cTn>
-              <p:prevCondLst>
-                <p:cond evt="onPrev" delay="0">
-                  <p:tgtEl>
-                    <p:sldTgt/>
-                  </p:tgtEl>
-                </p:cond>
-              </p:prevCondLst>
-              <p:nextCondLst>
-                <p:cond evt="onNext" delay="0">
-                  <p:tgtEl>
-                    <p:sldTgt/>
-                  </p:tgtEl>
-                </p:cond>
-              </p:nextCondLst>
-            </p:seq>
-            <p:audio>
-              <p:cMediaNode vol="80000">
-                <p:cTn id="7" fill="hold" display="0">
-                  <p:stCondLst>
-                    <p:cond delay="indefinite"/>
-                  </p:stCondLst>
-                  <p:endCondLst>
-                    <p:cond evt="onStopAudio" delay="0">
-                      <p:tgtEl>
-                        <p:sldTgt/>
-                      </p:tgtEl>
-                    </p:cond>
-                  </p:endCondLst>
-                </p:cTn>
-                <p:tgtEl>
-                  <p:spTgt spid="4"/>
-                </p:tgtEl>
-              </p:cMediaNode>
-            </p:audio>
-          </p:childTnLst>
-        </p:cTn>
-      </p:par>
-    </p:tnLst>
-  </p:timing>
 </p:sld>
 </file>
 
@@ -5763,44 +5280,6 @@
           </a:p>
         </p:txBody>
       </p:sp>
-      <p:pic>
-        <p:nvPicPr>
-          <p:cNvPr id="4" name="Audio Recording 11 Jan 2021 at 14:07:14" descr="Audio Recording 11 Jan 2021 at 14:07:14">
-            <a:hlinkClick r:id="" action="ppaction://media"/>
-            <a:extLst>
-              <a:ext uri="{FF2B5EF4-FFF2-40B4-BE49-F238E27FC236}">
-                <a16:creationId xmlns:a16="http://schemas.microsoft.com/office/drawing/2014/main" id="{64C21102-B900-3944-9F32-9975EE6F48AB}"/>
-              </a:ext>
-            </a:extLst>
-          </p:cNvPr>
-          <p:cNvPicPr>
-            <a:picLocks noChangeAspect="1"/>
-          </p:cNvPicPr>
-          <p:nvPr>
-            <a:audioFile r:link="rId2"/>
-            <p:extLst>
-              <p:ext uri="{DAA4B4D4-6D71-4841-9C94-3DE7FCFB9230}">
-                <p14:media xmlns:p14="http://schemas.microsoft.com/office/powerpoint/2010/main" r:embed="rId1"/>
-              </p:ext>
-            </p:extLst>
-          </p:nvPr>
-        </p:nvPicPr>
-        <p:blipFill>
-          <a:blip r:embed="rId4"/>
-          <a:stretch>
-            <a:fillRect/>
-          </a:stretch>
-        </p:blipFill>
-        <p:spPr>
-          <a:xfrm>
-            <a:off x="4633913" y="3373438"/>
-            <a:ext cx="812800" cy="812800"/>
-          </a:xfrm>
-          <a:prstGeom prst="rect">
-            <a:avLst/>
-          </a:prstGeom>
-        </p:spPr>
-      </p:pic>
     </p:spTree>
     <p:extLst>
       <p:ext uri="{BB962C8B-B14F-4D97-AF65-F5344CB8AC3E}">
@@ -5819,90 +5298,6 @@
       <p:transition spd="slow" advTm="46075"/>
     </mc:Fallback>
   </mc:AlternateContent>
-  <p:timing>
-    <p:tnLst>
-      <p:par>
-        <p:cTn id="1" dur="indefinite" restart="never" nodeType="tmRoot">
-          <p:childTnLst>
-            <p:seq concurrent="1" nextAc="seek">
-              <p:cTn id="2" dur="indefinite" nodeType="mainSeq">
-                <p:childTnLst>
-                  <p:par>
-                    <p:cTn id="3" fill="hold">
-                      <p:stCondLst>
-                        <p:cond delay="indefinite"/>
-                      </p:stCondLst>
-                      <p:childTnLst>
-                        <p:par>
-                          <p:cTn id="4" fill="hold">
-                            <p:stCondLst>
-                              <p:cond delay="0"/>
-                            </p:stCondLst>
-                            <p:childTnLst>
-                              <p:par>
-                                <p:cTn id="5" presetID="1" presetClass="mediacall" presetSubtype="0" fill="hold" nodeType="clickEffect">
-                                  <p:stCondLst>
-                                    <p:cond delay="0"/>
-                                  </p:stCondLst>
-                                  <p:childTnLst>
-                                    <p:cmd type="call" cmd="playFrom(0.0)">
-                                      <p:cBhvr>
-                                        <p:cTn id="6" dur="18304" fill="hold"/>
-                                        <p:tgtEl>
-                                          <p:spTgt spid="4"/>
-                                        </p:tgtEl>
-                                      </p:cBhvr>
-                                    </p:cmd>
-                                  </p:childTnLst>
-                                </p:cTn>
-                              </p:par>
-                            </p:childTnLst>
-                          </p:cTn>
-                        </p:par>
-                      </p:childTnLst>
-                    </p:cTn>
-                  </p:par>
-                </p:childTnLst>
-              </p:cTn>
-              <p:prevCondLst>
-                <p:cond evt="onPrev" delay="0">
-                  <p:tgtEl>
-                    <p:sldTgt/>
-                  </p:tgtEl>
-                </p:cond>
-              </p:prevCondLst>
-              <p:nextCondLst>
-                <p:cond evt="onNext" delay="0">
-                  <p:tgtEl>
-                    <p:sldTgt/>
-                  </p:tgtEl>
-                </p:cond>
-              </p:nextCondLst>
-            </p:seq>
-            <p:audio>
-              <p:cMediaNode vol="80000">
-                <p:cTn id="7" fill="hold" display="0">
-                  <p:stCondLst>
-                    <p:cond delay="indefinite"/>
-                  </p:stCondLst>
-                  <p:endCondLst>
-                    <p:cond evt="onStopAudio" delay="0">
-                      <p:tgtEl>
-                        <p:sldTgt/>
-                      </p:tgtEl>
-                    </p:cond>
-                  </p:endCondLst>
-                </p:cTn>
-                <p:tgtEl>
-                  <p:spTgt spid="4"/>
-                </p:tgtEl>
-              </p:cMediaNode>
-            </p:audio>
-          </p:childTnLst>
-        </p:cTn>
-      </p:par>
-    </p:tnLst>
-  </p:timing>
 </p:sld>
 </file>
 
@@ -5971,7 +5366,7 @@
             </a:r>
             <a:r>
               <a:rPr lang="en-US" dirty="0"/>
-              <a:t> day of T3 (25</a:t>
+              <a:t> day of T3 (24</a:t>
             </a:r>
             <a:r>
               <a:rPr lang="en-US" baseline="30000" dirty="0"/>
@@ -5985,7 +5380,7 @@
           <a:p>
             <a:r>
               <a:rPr lang="en-US" dirty="0"/>
-              <a:t>3500 word coursework essay</a:t>
+              <a:t>3000 word coursework essay</a:t>
             </a:r>
           </a:p>
           <a:p>
@@ -6015,44 +5410,6 @@
           </a:p>
         </p:txBody>
       </p:sp>
-      <p:pic>
-        <p:nvPicPr>
-          <p:cNvPr id="4" name="Audio Recording 11 Jan 2021 at 14:07:49" descr="Audio Recording 11 Jan 2021 at 14:07:49">
-            <a:hlinkClick r:id="" action="ppaction://media"/>
-            <a:extLst>
-              <a:ext uri="{FF2B5EF4-FFF2-40B4-BE49-F238E27FC236}">
-                <a16:creationId xmlns:a16="http://schemas.microsoft.com/office/drawing/2014/main" id="{E0F12EF1-D633-854A-8829-95C6CD386944}"/>
-              </a:ext>
-            </a:extLst>
-          </p:cNvPr>
-          <p:cNvPicPr>
-            <a:picLocks noChangeAspect="1"/>
-          </p:cNvPicPr>
-          <p:nvPr>
-            <a:audioFile r:link="rId2"/>
-            <p:extLst>
-              <p:ext uri="{DAA4B4D4-6D71-4841-9C94-3DE7FCFB9230}">
-                <p14:media xmlns:p14="http://schemas.microsoft.com/office/powerpoint/2010/main" r:embed="rId1"/>
-              </p:ext>
-            </p:extLst>
-          </p:nvPr>
-        </p:nvPicPr>
-        <p:blipFill>
-          <a:blip r:embed="rId4"/>
-          <a:stretch>
-            <a:fillRect/>
-          </a:stretch>
-        </p:blipFill>
-        <p:spPr>
-          <a:xfrm>
-            <a:off x="4633913" y="3373438"/>
-            <a:ext cx="812800" cy="812800"/>
-          </a:xfrm>
-          <a:prstGeom prst="rect">
-            <a:avLst/>
-          </a:prstGeom>
-        </p:spPr>
-      </p:pic>
     </p:spTree>
     <p:extLst>
       <p:ext uri="{BB962C8B-B14F-4D97-AF65-F5344CB8AC3E}">
@@ -6071,90 +5428,6 @@
       <p:transition spd="slow" advTm="24693"/>
     </mc:Fallback>
   </mc:AlternateContent>
-  <p:timing>
-    <p:tnLst>
-      <p:par>
-        <p:cTn id="1" dur="indefinite" restart="never" nodeType="tmRoot">
-          <p:childTnLst>
-            <p:seq concurrent="1" nextAc="seek">
-              <p:cTn id="2" dur="indefinite" nodeType="mainSeq">
-                <p:childTnLst>
-                  <p:par>
-                    <p:cTn id="3" fill="hold">
-                      <p:stCondLst>
-                        <p:cond delay="indefinite"/>
-                      </p:stCondLst>
-                      <p:childTnLst>
-                        <p:par>
-                          <p:cTn id="4" fill="hold">
-                            <p:stCondLst>
-                              <p:cond delay="0"/>
-                            </p:stCondLst>
-                            <p:childTnLst>
-                              <p:par>
-                                <p:cTn id="5" presetID="1" presetClass="mediacall" presetSubtype="0" fill="hold" nodeType="clickEffect">
-                                  <p:stCondLst>
-                                    <p:cond delay="0"/>
-                                  </p:stCondLst>
-                                  <p:childTnLst>
-                                    <p:cmd type="call" cmd="playFrom(0.0)">
-                                      <p:cBhvr>
-                                        <p:cTn id="6" dur="30528" fill="hold"/>
-                                        <p:tgtEl>
-                                          <p:spTgt spid="4"/>
-                                        </p:tgtEl>
-                                      </p:cBhvr>
-                                    </p:cmd>
-                                  </p:childTnLst>
-                                </p:cTn>
-                              </p:par>
-                            </p:childTnLst>
-                          </p:cTn>
-                        </p:par>
-                      </p:childTnLst>
-                    </p:cTn>
-                  </p:par>
-                </p:childTnLst>
-              </p:cTn>
-              <p:prevCondLst>
-                <p:cond evt="onPrev" delay="0">
-                  <p:tgtEl>
-                    <p:sldTgt/>
-                  </p:tgtEl>
-                </p:cond>
-              </p:prevCondLst>
-              <p:nextCondLst>
-                <p:cond evt="onNext" delay="0">
-                  <p:tgtEl>
-                    <p:sldTgt/>
-                  </p:tgtEl>
-                </p:cond>
-              </p:nextCondLst>
-            </p:seq>
-            <p:audio>
-              <p:cMediaNode vol="80000">
-                <p:cTn id="7" fill="hold" display="0">
-                  <p:stCondLst>
-                    <p:cond delay="indefinite"/>
-                  </p:stCondLst>
-                  <p:endCondLst>
-                    <p:cond evt="onStopAudio" delay="0">
-                      <p:tgtEl>
-                        <p:sldTgt/>
-                      </p:tgtEl>
-                    </p:cond>
-                  </p:endCondLst>
-                </p:cTn>
-                <p:tgtEl>
-                  <p:spTgt spid="4"/>
-                </p:tgtEl>
-              </p:cMediaNode>
-            </p:audio>
-          </p:childTnLst>
-        </p:cTn>
-      </p:par>
-    </p:tnLst>
-  </p:timing>
 </p:sld>
 </file>
 
@@ -6230,7 +5503,7 @@
             </a:pPr>
             <a:r>
               <a:rPr lang="en-US" dirty="0"/>
-              <a:t>3500 words</a:t>
+              <a:t>3000 words</a:t>
             </a:r>
           </a:p>
           <a:p>
@@ -6245,10 +5518,10 @@
           </a:p>
           <a:p>
             <a:r>
-              <a:rPr lang="en-GB" b="1" dirty="0"/>
-              <a:t>“Describe the key spatial and temporal patterns of terrestrial carbon stocks and fluxes in recent decades (post 2000). Your answer should explain the processes that control these patterns and the uncertainties in our knowledge of these processes.”</a:t>
-            </a:r>
-            <a:endParaRPr lang="en-GB" dirty="0"/>
+              <a:rPr lang="en-GB" sz="3600" b="1" dirty="0"/>
+              <a:t>“How well do we know global Net Primary Production?”</a:t>
+            </a:r>
+            <a:endParaRPr lang="en-GB" sz="3600" dirty="0"/>
           </a:p>
           <a:p>
             <a:br>
@@ -6346,7 +5619,7 @@
           <a:p>
             <a:r>
               <a:rPr lang="en-GB" dirty="0"/>
-              <a:t>Your essay should be 3500 words or less (not including figure captions and references).</a:t>
+              <a:t>Your essay should be 3000 words or less (not including figure captions and references).</a:t>
             </a:r>
           </a:p>
           <a:p>

--- a/docs/ppt/GEOG0113-001.pptx
+++ b/docs/ppt/GEOG0113-001.pptx
@@ -4349,6 +4349,18 @@
             <a:pPr eaLnBrk="1"/>
             <a:r>
               <a:rPr lang="en-GB" b="1" dirty="0"/>
+              <a:t>M. </a:t>
+            </a:r>
+            <a:r>
+              <a:rPr lang="en-GB" b="1" dirty="0" err="1"/>
+              <a:t>Mokroš</a:t>
+            </a:r>
+            <a:endParaRPr lang="en-GB" b="1" dirty="0"/>
+          </a:p>
+          <a:p>
+            <a:pPr eaLnBrk="1"/>
+            <a:r>
+              <a:rPr lang="en-GB" b="1" dirty="0"/>
               <a:t>H. </a:t>
             </a:r>
             <a:r>
@@ -4699,7 +4711,11 @@
           <a:p>
             <a:r>
               <a:rPr lang="en-GB" sz="1600" dirty="0"/>
-              <a:t>Avoid citations of material as ‘geog0133 </a:t>
+              <a:t>Avoid citations of material as </a:t>
+            </a:r>
+            <a:r>
+              <a:rPr lang="en-GB" sz="1600"/>
+              <a:t>‘geog0113 </a:t>
             </a:r>
             <a:r>
               <a:rPr lang="en-GB" sz="1600" dirty="0" err="1"/>
@@ -5366,7 +5382,7 @@
             </a:r>
             <a:r>
               <a:rPr lang="en-US" dirty="0"/>
-              <a:t> day of T3 (24</a:t>
+              <a:t> day of T3 (28</a:t>
             </a:r>
             <a:r>
               <a:rPr lang="en-US" baseline="30000" dirty="0"/>
@@ -5513,7 +5529,7 @@
             </a:pPr>
             <a:r>
               <a:rPr lang="en-GB" b="1" dirty="0"/>
-              <a:t>25 April 2022</a:t>
+              <a:t>28 April 2025</a:t>
             </a:r>
           </a:p>
           <a:p>
@@ -5732,7 +5748,7 @@
           <a:p>
             <a:r>
               <a:rPr lang="en-GB" sz="2400" dirty="0"/>
-              <a:t>Your essay should be 3500 words or less (not including figure captions and references).</a:t>
+              <a:t>Your essay should be 3000 words or less (not including figure captions and references).</a:t>
             </a:r>
           </a:p>
           <a:p>

--- a/docs/ppt/GEOG0113-001.pptx
+++ b/docs/ppt/GEOG0113-001.pptx
@@ -4711,11 +4711,7 @@
           <a:p>
             <a:r>
               <a:rPr lang="en-GB" sz="1600" dirty="0"/>
-              <a:t>Avoid citations of material as </a:t>
-            </a:r>
-            <a:r>
-              <a:rPr lang="en-GB" sz="1600"/>
-              <a:t>‘geog0113 </a:t>
+              <a:t>Avoid citations of material as ‘geog0113 </a:t>
             </a:r>
             <a:r>
               <a:rPr lang="en-GB" sz="1600" dirty="0" err="1"/>
@@ -5012,24 +5008,6 @@
             <a:r>
               <a:rPr lang="en-US" sz="2400" dirty="0"/>
               <a:t>Model inversion in remote sensing</a:t>
-            </a:r>
-          </a:p>
-          <a:p>
-            <a:pPr>
-              <a:buFont typeface="Arial"/>
-              <a:buChar char="•"/>
-            </a:pPr>
-            <a:r>
-              <a:rPr lang="en-US" sz="2400" dirty="0"/>
-              <a:t>Concepts and </a:t>
-            </a:r>
-            <a:r>
-              <a:rPr lang="en-US" sz="2400" dirty="0" err="1"/>
-              <a:t>maths</a:t>
-            </a:r>
-            <a:r>
-              <a:rPr lang="en-US" sz="2400" dirty="0"/>
-              <a:t> of data assimilation</a:t>
             </a:r>
           </a:p>
           <a:p>
